--- a/Präsentation Gruppe 2.pptx
+++ b/Präsentation Gruppe 2.pptx
@@ -122,6 +122,9 @@
     <p:ext uri="{EFAFB233-063F-42B5-8137-9DF3F51BA10A}">
       <p15:sldGuideLst xmlns:p15="http://schemas.microsoft.com/office/powerpoint/2012/main"/>
     </p:ext>
+    <p:ext uri="{2D200454-40CA-4A62-9FC3-DE9A4176ACB9}">
+      <p15:notesGuideLst xmlns:p15="http://schemas.microsoft.com/office/powerpoint/2012/main"/>
+    </p:ext>
   </p:extLst>
 </p:presentation>
 </file>
@@ -550,6 +553,90 @@
     <p:extLst>
       <p:ext uri="{BB962C8B-B14F-4D97-AF65-F5344CB8AC3E}">
         <p14:creationId xmlns:p14="http://schemas.microsoft.com/office/powerpoint/2010/main" val="3884121879"/>
+      </p:ext>
+    </p:extLst>
+  </p:cSld>
+  <p:clrMapOvr>
+    <a:masterClrMapping/>
+  </p:clrMapOvr>
+</p:notes>
+</file>
+
+<file path=ppt/notesSlides/notesSlide2.xml><?xml version="1.0" encoding="utf-8"?>
+<p:notes xmlns:a="http://schemas.openxmlformats.org/drawingml/2006/main" xmlns:r="http://schemas.openxmlformats.org/officeDocument/2006/relationships" xmlns:p="http://schemas.openxmlformats.org/presentationml/2006/main">
+  <p:cSld>
+    <p:spTree>
+      <p:nvGrpSpPr>
+        <p:cNvPr id="1" name=""/>
+        <p:cNvGrpSpPr/>
+        <p:nvPr/>
+      </p:nvGrpSpPr>
+      <p:grpSpPr>
+        <a:xfrm>
+          <a:off x="0" y="0"/>
+          <a:ext cx="0" cy="0"/>
+          <a:chOff x="0" y="0"/>
+          <a:chExt cx="0" cy="0"/>
+        </a:xfrm>
+      </p:grpSpPr>
+      <p:sp>
+        <p:nvSpPr>
+          <p:cNvPr id="2" name="Folienbildplatzhalter 1"/>
+          <p:cNvSpPr>
+            <a:spLocks noGrp="1" noRot="1" noChangeAspect="1"/>
+          </p:cNvSpPr>
+          <p:nvPr>
+            <p:ph type="sldImg"/>
+          </p:nvPr>
+        </p:nvSpPr>
+        <p:spPr/>
+      </p:sp>
+      <p:sp>
+        <p:nvSpPr>
+          <p:cNvPr id="3" name="Notizenplatzhalter 2"/>
+          <p:cNvSpPr>
+            <a:spLocks noGrp="1"/>
+          </p:cNvSpPr>
+          <p:nvPr>
+            <p:ph type="body" idx="1"/>
+          </p:nvPr>
+        </p:nvSpPr>
+        <p:spPr/>
+        <p:txBody>
+          <a:bodyPr/>
+          <a:lstStyle/>
+          <a:p>
+            <a:endParaRPr lang="de-DE" dirty="0"/>
+          </a:p>
+        </p:txBody>
+      </p:sp>
+      <p:sp>
+        <p:nvSpPr>
+          <p:cNvPr id="4" name="Foliennummernplatzhalter 3"/>
+          <p:cNvSpPr>
+            <a:spLocks noGrp="1"/>
+          </p:cNvSpPr>
+          <p:nvPr>
+            <p:ph type="sldNum" sz="quarter" idx="5"/>
+          </p:nvPr>
+        </p:nvSpPr>
+        <p:spPr/>
+        <p:txBody>
+          <a:bodyPr/>
+          <a:lstStyle/>
+          <a:p>
+            <a:fld id="{6620C3BC-38C1-43FE-B962-4441245910D1}" type="slidenum">
+              <a:rPr lang="de-DE" smtClean="0"/>
+              <a:t>4</a:t>
+            </a:fld>
+            <a:endParaRPr lang="de-DE"/>
+          </a:p>
+        </p:txBody>
+      </p:sp>
+    </p:spTree>
+    <p:extLst>
+      <p:ext uri="{BB962C8B-B14F-4D97-AF65-F5344CB8AC3E}">
+        <p14:creationId xmlns:p14="http://schemas.microsoft.com/office/powerpoint/2010/main" val="2781838"/>
       </p:ext>
     </p:extLst>
   </p:cSld>
@@ -3807,6 +3894,13 @@
               <a:rPr lang="de-DE" dirty="0"/>
               <a:t> Einführung in Data Science und maschinelles Lernen</a:t>
             </a:r>
+            <a:br>
+              <a:rPr lang="de-DE" dirty="0"/>
+            </a:br>
+            <a:r>
+              <a:rPr lang="de-DE" dirty="0"/>
+              <a:t>23.01.2024</a:t>
+            </a:r>
           </a:p>
         </p:txBody>
       </p:sp>
@@ -5152,7 +5246,7 @@
         <p:spPr/>
         <p:txBody>
           <a:bodyPr>
-            <a:normAutofit fontScale="25000" lnSpcReduction="20000"/>
+            <a:normAutofit fontScale="32500" lnSpcReduction="20000"/>
           </a:bodyPr>
           <a:lstStyle/>
           <a:p>
@@ -5160,76 +5254,55 @@
           </a:p>
           <a:p>
             <a:r>
-              <a:rPr lang="de-DE" dirty="0"/>
+              <a:rPr lang="de-DE" sz="4400" dirty="0"/>
               <a:t>Struktur</a:t>
             </a:r>
           </a:p>
           <a:p>
             <a:r>
-              <a:rPr lang="de-DE" dirty="0"/>
+              <a:rPr lang="de-DE" sz="4400" dirty="0"/>
               <a:t>Ihre Präsentation sollte grundsätzlich folgendem Aufbau folgen:</a:t>
             </a:r>
           </a:p>
           <a:p>
-            <a:endParaRPr lang="de-DE" dirty="0"/>
-          </a:p>
-          <a:p>
-            <a:r>
-              <a:rPr lang="de-DE" dirty="0"/>
+            <a:r>
+              <a:rPr lang="de-DE" sz="4400" dirty="0"/>
               <a:t>Titelfolie: Projektname, Gruppennummer, Namen des Projektteams, Datum und alle anderen relevanten Informationen.</a:t>
             </a:r>
           </a:p>
           <a:p>
-            <a:endParaRPr lang="de-DE" dirty="0"/>
-          </a:p>
-          <a:p>
-            <a:r>
-              <a:rPr lang="de-DE" dirty="0"/>
+            <a:r>
+              <a:rPr lang="de-DE" sz="4400" dirty="0"/>
               <a:t>Datensatzmerkmale: 2–3 Folien.</a:t>
             </a:r>
           </a:p>
           <a:p>
-            <a:endParaRPr lang="de-DE" dirty="0"/>
-          </a:p>
-          <a:p>
-            <a:r>
-              <a:rPr lang="de-DE" dirty="0"/>
+            <a:r>
+              <a:rPr lang="de-DE" sz="4400" dirty="0"/>
               <a:t>Basismodell: 1 Folie.</a:t>
             </a:r>
           </a:p>
           <a:p>
-            <a:endParaRPr lang="de-DE" dirty="0"/>
-          </a:p>
-          <a:p>
-            <a:r>
-              <a:rPr lang="de-DE" dirty="0"/>
+            <a:r>
+              <a:rPr lang="de-DE" sz="4400" dirty="0"/>
               <a:t>Modelldefinition und -bewertung: 2-3 Folien.</a:t>
             </a:r>
           </a:p>
           <a:p>
-            <a:endParaRPr lang="de-DE" dirty="0"/>
-          </a:p>
-          <a:p>
-            <a:r>
-              <a:rPr lang="de-DE" dirty="0"/>
+            <a:r>
+              <a:rPr lang="de-DE" sz="4400" dirty="0"/>
               <a:t>Ergebnisse: 1 Folie.</a:t>
             </a:r>
           </a:p>
           <a:p>
-            <a:endParaRPr lang="de-DE" dirty="0"/>
-          </a:p>
-          <a:p>
-            <a:r>
-              <a:rPr lang="de-DE" dirty="0"/>
+            <a:r>
+              <a:rPr lang="de-DE" sz="4400" dirty="0"/>
               <a:t>Herausforderungen und Fehler: 1 Folie.</a:t>
             </a:r>
           </a:p>
           <a:p>
-            <a:endParaRPr lang="de-DE" dirty="0"/>
-          </a:p>
-          <a:p>
-            <a:r>
-              <a:rPr lang="de-DE" dirty="0"/>
+            <a:r>
+              <a:rPr lang="de-DE" sz="4400" dirty="0"/>
               <a:t>Fragen und Antworten: Letzte Folie mit Angabe des Fragen-und-Antwort-Teils.</a:t>
             </a:r>
           </a:p>
@@ -5751,31 +5824,76 @@
           </a:p>
         </p:txBody>
       </p:sp>
-      <p:sp>
-        <p:nvSpPr>
-          <p:cNvPr id="3" name="Inhaltsplatzhalter 2">
+      <p:pic>
+        <p:nvPicPr>
+          <p:cNvPr id="5" name="Inhaltsplatzhalter 4">
             <a:extLst>
               <a:ext uri="{FF2B5EF4-FFF2-40B4-BE49-F238E27FC236}">
-                <a16:creationId xmlns:a16="http://schemas.microsoft.com/office/drawing/2014/main" id="{046180EB-BED6-8DE2-6199-2859478325D3}"/>
+                <a16:creationId xmlns:a16="http://schemas.microsoft.com/office/drawing/2014/main" id="{0BA37989-B998-8956-8C90-9D3BAA5A03F2}"/>
               </a:ext>
             </a:extLst>
           </p:cNvPr>
-          <p:cNvSpPr>
-            <a:spLocks noGrp="1"/>
-          </p:cNvSpPr>
+          <p:cNvPicPr>
+            <a:picLocks noGrp="1" noChangeAspect="1"/>
+          </p:cNvPicPr>
           <p:nvPr>
             <p:ph idx="1"/>
           </p:nvPr>
-        </p:nvSpPr>
-        <p:spPr/>
-        <p:txBody>
-          <a:bodyPr/>
-          <a:lstStyle/>
-          <a:p>
-            <a:endParaRPr lang="de-DE"/>
-          </a:p>
-        </p:txBody>
-      </p:sp>
+        </p:nvPicPr>
+        <p:blipFill>
+          <a:blip r:embed="rId3">
+            <a:extLst>
+              <a:ext uri="{28A0092B-C50C-407E-A947-70E740481C1C}">
+                <a14:useLocalDpi xmlns:a14="http://schemas.microsoft.com/office/drawing/2010/main" val="0"/>
+              </a:ext>
+            </a:extLst>
+          </a:blip>
+          <a:stretch>
+            <a:fillRect/>
+          </a:stretch>
+        </p:blipFill>
+        <p:spPr>
+          <a:xfrm>
+            <a:off x="266842" y="2366781"/>
+            <a:ext cx="5829158" cy="3989508"/>
+          </a:xfrm>
+        </p:spPr>
+      </p:pic>
+      <p:pic>
+        <p:nvPicPr>
+          <p:cNvPr id="7" name="Grafik 6">
+            <a:extLst>
+              <a:ext uri="{FF2B5EF4-FFF2-40B4-BE49-F238E27FC236}">
+                <a16:creationId xmlns:a16="http://schemas.microsoft.com/office/drawing/2014/main" id="{F793FED3-6CBC-7BC3-472B-7B5617D7F7BE}"/>
+              </a:ext>
+            </a:extLst>
+          </p:cNvPr>
+          <p:cNvPicPr>
+            <a:picLocks noChangeAspect="1"/>
+          </p:cNvPicPr>
+          <p:nvPr/>
+        </p:nvPicPr>
+        <p:blipFill>
+          <a:blip r:embed="rId4">
+            <a:extLst>
+              <a:ext uri="{28A0092B-C50C-407E-A947-70E740481C1C}">
+                <a14:useLocalDpi xmlns:a14="http://schemas.microsoft.com/office/drawing/2010/main" val="0"/>
+              </a:ext>
+            </a:extLst>
+          </a:blip>
+          <a:srcRect/>
+          <a:stretch/>
+        </p:blipFill>
+        <p:spPr>
+          <a:xfrm>
+            <a:off x="6230164" y="2366781"/>
+            <a:ext cx="5829156" cy="3989509"/>
+          </a:xfrm>
+          <a:prstGeom prst="rect">
+            <a:avLst/>
+          </a:prstGeom>
+        </p:spPr>
+      </p:pic>
     </p:spTree>
     <p:extLst>
       <p:ext uri="{BB962C8B-B14F-4D97-AF65-F5344CB8AC3E}">

--- a/Präsentation Gruppe 2.pptx
+++ b/Präsentation Gruppe 2.pptx
@@ -5854,7 +5854,7 @@
         </p:blipFill>
         <p:spPr>
           <a:xfrm>
-            <a:off x="266842" y="2366781"/>
+            <a:off x="266842" y="2366782"/>
             <a:ext cx="5829158" cy="3989508"/>
           </a:xfrm>
         </p:spPr>
@@ -5886,8 +5886,8 @@
         </p:blipFill>
         <p:spPr>
           <a:xfrm>
-            <a:off x="6230164" y="2366781"/>
-            <a:ext cx="5829156" cy="3989509"/>
+            <a:off x="6096002" y="2366782"/>
+            <a:ext cx="5829156" cy="3989508"/>
           </a:xfrm>
           <a:prstGeom prst="rect">
             <a:avLst/>

--- a/Präsentation Gruppe 2.pptx
+++ b/Präsentation Gruppe 2.pptx
@@ -5,21 +5,22 @@
     <p:sldMasterId id="2147483675" r:id="rId1"/>
   </p:sldMasterIdLst>
   <p:notesMasterIdLst>
-    <p:notesMasterId r:id="rId14"/>
+    <p:notesMasterId r:id="rId15"/>
   </p:notesMasterIdLst>
   <p:sldIdLst>
     <p:sldId id="256" r:id="rId2"/>
     <p:sldId id="268" r:id="rId3"/>
     <p:sldId id="257" r:id="rId4"/>
-    <p:sldId id="258" r:id="rId5"/>
-    <p:sldId id="259" r:id="rId6"/>
-    <p:sldId id="262" r:id="rId7"/>
-    <p:sldId id="263" r:id="rId8"/>
-    <p:sldId id="260" r:id="rId9"/>
-    <p:sldId id="264" r:id="rId10"/>
-    <p:sldId id="265" r:id="rId11"/>
-    <p:sldId id="261" r:id="rId12"/>
-    <p:sldId id="267" r:id="rId13"/>
+    <p:sldId id="269" r:id="rId5"/>
+    <p:sldId id="258" r:id="rId6"/>
+    <p:sldId id="259" r:id="rId7"/>
+    <p:sldId id="262" r:id="rId8"/>
+    <p:sldId id="263" r:id="rId9"/>
+    <p:sldId id="260" r:id="rId10"/>
+    <p:sldId id="264" r:id="rId11"/>
+    <p:sldId id="265" r:id="rId12"/>
+    <p:sldId id="261" r:id="rId13"/>
+    <p:sldId id="267" r:id="rId14"/>
   </p:sldIdLst>
   <p:sldSz cx="12192000" cy="6858000"/>
   <p:notesSz cx="6858000" cy="9144000"/>
@@ -627,7 +628,7 @@
           <a:p>
             <a:fld id="{6620C3BC-38C1-43FE-B962-4441245910D1}" type="slidenum">
               <a:rPr lang="de-DE" smtClean="0"/>
-              <a:t>4</a:t>
+              <a:t>5</a:t>
             </a:fld>
             <a:endParaRPr lang="de-DE"/>
           </a:p>
@@ -3985,11 +3986,11 @@
           <a:p>
             <a:pPr marL="514350" indent="-514350">
               <a:buFont typeface="+mj-lt"/>
-              <a:buAutoNum type="alphaLcParenR" startAt="3"/>
+              <a:buAutoNum type="alphaLcParenR" startAt="2"/>
             </a:pPr>
             <a:r>
               <a:rPr lang="de-DE" dirty="0"/>
-              <a:t>MAPE je Warengruppe für den Zeitraum vom 1.8.2018 bis 30.7.2019</a:t>
+              <a:t>Darstellung der Loss-Funktionen für Trainings- und Validierungsdatensatz</a:t>
             </a:r>
           </a:p>
           <a:p>
@@ -4003,7 +4004,7 @@
     </p:spTree>
     <p:extLst>
       <p:ext uri="{BB962C8B-B14F-4D97-AF65-F5344CB8AC3E}">
-        <p14:creationId xmlns:p14="http://schemas.microsoft.com/office/powerpoint/2010/main" val="3953231130"/>
+        <p14:creationId xmlns:p14="http://schemas.microsoft.com/office/powerpoint/2010/main" val="1581731859"/>
       </p:ext>
     </p:extLst>
   </p:cSld>
@@ -4035,6 +4036,102 @@
           <p:cNvPr id="2" name="Titel 1">
             <a:extLst>
               <a:ext uri="{FF2B5EF4-FFF2-40B4-BE49-F238E27FC236}">
+                <a16:creationId xmlns:a16="http://schemas.microsoft.com/office/drawing/2014/main" id="{925338B6-1A89-75B3-28D9-BB71D0B6E999}"/>
+              </a:ext>
+            </a:extLst>
+          </p:cNvPr>
+          <p:cNvSpPr>
+            <a:spLocks noGrp="1"/>
+          </p:cNvSpPr>
+          <p:nvPr>
+            <p:ph type="title"/>
+          </p:nvPr>
+        </p:nvSpPr>
+        <p:spPr/>
+        <p:txBody>
+          <a:bodyPr/>
+          <a:lstStyle/>
+          <a:p>
+            <a:r>
+              <a:rPr lang="de-DE" dirty="0"/>
+              <a:t>Optimierung eines neuronalen Netzes:</a:t>
+            </a:r>
+          </a:p>
+        </p:txBody>
+      </p:sp>
+      <p:sp>
+        <p:nvSpPr>
+          <p:cNvPr id="3" name="Inhaltsplatzhalter 2">
+            <a:extLst>
+              <a:ext uri="{FF2B5EF4-FFF2-40B4-BE49-F238E27FC236}">
+                <a16:creationId xmlns:a16="http://schemas.microsoft.com/office/drawing/2014/main" id="{92BCCD00-C4DD-B23E-DA10-5A4D725B6C43}"/>
+              </a:ext>
+            </a:extLst>
+          </p:cNvPr>
+          <p:cNvSpPr>
+            <a:spLocks noGrp="1"/>
+          </p:cNvSpPr>
+          <p:nvPr>
+            <p:ph idx="1"/>
+          </p:nvPr>
+        </p:nvSpPr>
+        <p:spPr/>
+        <p:txBody>
+          <a:bodyPr/>
+          <a:lstStyle/>
+          <a:p>
+            <a:pPr marL="514350" indent="-514350">
+              <a:buFont typeface="+mj-lt"/>
+              <a:buAutoNum type="alphaLcParenR" startAt="3"/>
+            </a:pPr>
+            <a:r>
+              <a:rPr lang="de-DE" dirty="0"/>
+              <a:t>MAPE je Warengruppe für den Zeitraum vom 1.8.2018 bis 30.7.2019</a:t>
+            </a:r>
+          </a:p>
+          <a:p>
+            <a:pPr marL="0" indent="0">
+              <a:buNone/>
+            </a:pPr>
+            <a:endParaRPr lang="de-DE" dirty="0"/>
+          </a:p>
+        </p:txBody>
+      </p:sp>
+    </p:spTree>
+    <p:extLst>
+      <p:ext uri="{BB962C8B-B14F-4D97-AF65-F5344CB8AC3E}">
+        <p14:creationId xmlns:p14="http://schemas.microsoft.com/office/powerpoint/2010/main" val="3953231130"/>
+      </p:ext>
+    </p:extLst>
+  </p:cSld>
+  <p:clrMapOvr>
+    <a:masterClrMapping/>
+  </p:clrMapOvr>
+</p:sld>
+</file>
+
+<file path=ppt/slides/slide12.xml><?xml version="1.0" encoding="utf-8"?>
+<p:sld xmlns:a="http://schemas.openxmlformats.org/drawingml/2006/main" xmlns:r="http://schemas.openxmlformats.org/officeDocument/2006/relationships" xmlns:p="http://schemas.openxmlformats.org/presentationml/2006/main">
+  <p:cSld>
+    <p:spTree>
+      <p:nvGrpSpPr>
+        <p:cNvPr id="1" name=""/>
+        <p:cNvGrpSpPr/>
+        <p:nvPr/>
+      </p:nvGrpSpPr>
+      <p:grpSpPr>
+        <a:xfrm>
+          <a:off x="0" y="0"/>
+          <a:ext cx="0" cy="0"/>
+          <a:chOff x="0" y="0"/>
+          <a:chExt cx="0" cy="0"/>
+        </a:xfrm>
+      </p:grpSpPr>
+      <p:sp>
+        <p:nvSpPr>
+          <p:cNvPr id="2" name="Titel 1">
+            <a:extLst>
+              <a:ext uri="{FF2B5EF4-FFF2-40B4-BE49-F238E27FC236}">
                 <a16:creationId xmlns:a16="http://schemas.microsoft.com/office/drawing/2014/main" id="{E9E950F8-DB2E-D2F6-B79E-B0A851C2CBBD}"/>
               </a:ext>
             </a:extLst>
@@ -5178,7 +5275,7 @@
 </p:sld>
 </file>
 
-<file path=ppt/slides/slide12.xml><?xml version="1.0" encoding="utf-8"?>
+<file path=ppt/slides/slide13.xml><?xml version="1.0" encoding="utf-8"?>
 <p:sld xmlns:a="http://schemas.openxmlformats.org/drawingml/2006/main" xmlns:r="http://schemas.openxmlformats.org/officeDocument/2006/relationships" xmlns:p="http://schemas.openxmlformats.org/presentationml/2006/main">
   <p:cSld>
     <p:spTree>
@@ -5764,6 +5861,42 @@
           </a:p>
         </p:txBody>
       </p:sp>
+      <p:pic>
+        <p:nvPicPr>
+          <p:cNvPr id="5" name="Grafik 4">
+            <a:extLst>
+              <a:ext uri="{FF2B5EF4-FFF2-40B4-BE49-F238E27FC236}">
+                <a16:creationId xmlns:a16="http://schemas.microsoft.com/office/drawing/2014/main" id="{A0C8D432-EC38-01A8-CAAC-B3D7C5DB85F4}"/>
+              </a:ext>
+            </a:extLst>
+          </p:cNvPr>
+          <p:cNvPicPr>
+            <a:picLocks noChangeAspect="1"/>
+          </p:cNvPicPr>
+          <p:nvPr/>
+        </p:nvPicPr>
+        <p:blipFill>
+          <a:blip r:embed="rId2">
+            <a:extLst>
+              <a:ext uri="{28A0092B-C50C-407E-A947-70E740481C1C}">
+                <a14:useLocalDpi xmlns:a14="http://schemas.microsoft.com/office/drawing/2010/main" val="0"/>
+              </a:ext>
+            </a:extLst>
+          </a:blip>
+          <a:stretch>
+            <a:fillRect/>
+          </a:stretch>
+        </p:blipFill>
+        <p:spPr>
+          <a:xfrm>
+            <a:off x="5012078" y="2268769"/>
+            <a:ext cx="6282734" cy="4299940"/>
+          </a:xfrm>
+          <a:prstGeom prst="rect">
+            <a:avLst/>
+          </a:prstGeom>
+        </p:spPr>
+      </p:pic>
     </p:spTree>
     <p:extLst>
       <p:ext uri="{BB962C8B-B14F-4D97-AF65-F5344CB8AC3E}">
@@ -5778,6 +5911,99 @@
 </file>
 
 <file path=ppt/slides/slide4.xml><?xml version="1.0" encoding="utf-8"?>
+<p:sld xmlns:a="http://schemas.openxmlformats.org/drawingml/2006/main" xmlns:r="http://schemas.openxmlformats.org/officeDocument/2006/relationships" xmlns:p="http://schemas.openxmlformats.org/presentationml/2006/main">
+  <p:cSld>
+    <p:spTree>
+      <p:nvGrpSpPr>
+        <p:cNvPr id="1" name=""/>
+        <p:cNvGrpSpPr/>
+        <p:nvPr/>
+      </p:nvGrpSpPr>
+      <p:grpSpPr>
+        <a:xfrm>
+          <a:off x="0" y="0"/>
+          <a:ext cx="0" cy="0"/>
+          <a:chOff x="0" y="0"/>
+          <a:chExt cx="0" cy="0"/>
+        </a:xfrm>
+      </p:grpSpPr>
+      <p:sp>
+        <p:nvSpPr>
+          <p:cNvPr id="2" name="Titel 1">
+            <a:extLst>
+              <a:ext uri="{FF2B5EF4-FFF2-40B4-BE49-F238E27FC236}">
+                <a16:creationId xmlns:a16="http://schemas.microsoft.com/office/drawing/2014/main" id="{C6D29DFC-890F-8B97-F1EE-0E51C96885D4}"/>
+              </a:ext>
+            </a:extLst>
+          </p:cNvPr>
+          <p:cNvSpPr>
+            <a:spLocks noGrp="1"/>
+          </p:cNvSpPr>
+          <p:nvPr>
+            <p:ph type="title"/>
+          </p:nvPr>
+        </p:nvSpPr>
+        <p:spPr/>
+        <p:txBody>
+          <a:bodyPr/>
+          <a:lstStyle/>
+          <a:p>
+            <a:r>
+              <a:rPr lang="de-DE" dirty="0"/>
+              <a:t>Unsere selbsterstellten Variablen</a:t>
+            </a:r>
+          </a:p>
+        </p:txBody>
+      </p:sp>
+      <p:pic>
+        <p:nvPicPr>
+          <p:cNvPr id="5" name="Grafik 4">
+            <a:extLst>
+              <a:ext uri="{FF2B5EF4-FFF2-40B4-BE49-F238E27FC236}">
+                <a16:creationId xmlns:a16="http://schemas.microsoft.com/office/drawing/2014/main" id="{A0C8D432-EC38-01A8-CAAC-B3D7C5DB85F4}"/>
+              </a:ext>
+            </a:extLst>
+          </p:cNvPr>
+          <p:cNvPicPr>
+            <a:picLocks noChangeAspect="1"/>
+          </p:cNvPicPr>
+          <p:nvPr/>
+        </p:nvPicPr>
+        <p:blipFill>
+          <a:blip r:embed="rId2">
+            <a:extLst>
+              <a:ext uri="{28A0092B-C50C-407E-A947-70E740481C1C}">
+                <a14:useLocalDpi xmlns:a14="http://schemas.microsoft.com/office/drawing/2010/main" val="0"/>
+              </a:ext>
+            </a:extLst>
+          </a:blip>
+          <a:srcRect/>
+          <a:stretch/>
+        </p:blipFill>
+        <p:spPr>
+          <a:xfrm>
+            <a:off x="2954633" y="2268769"/>
+            <a:ext cx="6282733" cy="4299940"/>
+          </a:xfrm>
+          <a:prstGeom prst="rect">
+            <a:avLst/>
+          </a:prstGeom>
+        </p:spPr>
+      </p:pic>
+    </p:spTree>
+    <p:extLst>
+      <p:ext uri="{BB962C8B-B14F-4D97-AF65-F5344CB8AC3E}">
+        <p14:creationId xmlns:p14="http://schemas.microsoft.com/office/powerpoint/2010/main" val="2661919179"/>
+      </p:ext>
+    </p:extLst>
+  </p:cSld>
+  <p:clrMapOvr>
+    <a:masterClrMapping/>
+  </p:clrMapOvr>
+</p:sld>
+</file>
+
+<file path=ppt/slides/slide5.xml><?xml version="1.0" encoding="utf-8"?>
 <p:sld xmlns:a="http://schemas.openxmlformats.org/drawingml/2006/main" xmlns:r="http://schemas.openxmlformats.org/officeDocument/2006/relationships" xmlns:p="http://schemas.openxmlformats.org/presentationml/2006/main">
   <p:cSld>
     <p:spTree>
@@ -5907,96 +6133,6 @@
 </p:sld>
 </file>
 
-<file path=ppt/slides/slide5.xml><?xml version="1.0" encoding="utf-8"?>
-<p:sld xmlns:a="http://schemas.openxmlformats.org/drawingml/2006/main" xmlns:r="http://schemas.openxmlformats.org/officeDocument/2006/relationships" xmlns:p="http://schemas.openxmlformats.org/presentationml/2006/main">
-  <p:cSld>
-    <p:spTree>
-      <p:nvGrpSpPr>
-        <p:cNvPr id="1" name=""/>
-        <p:cNvGrpSpPr/>
-        <p:nvPr/>
-      </p:nvGrpSpPr>
-      <p:grpSpPr>
-        <a:xfrm>
-          <a:off x="0" y="0"/>
-          <a:ext cx="0" cy="0"/>
-          <a:chOff x="0" y="0"/>
-          <a:chExt cx="0" cy="0"/>
-        </a:xfrm>
-      </p:grpSpPr>
-      <p:sp>
-        <p:nvSpPr>
-          <p:cNvPr id="2" name="Titel 1">
-            <a:extLst>
-              <a:ext uri="{FF2B5EF4-FFF2-40B4-BE49-F238E27FC236}">
-                <a16:creationId xmlns:a16="http://schemas.microsoft.com/office/drawing/2014/main" id="{6B5C63FE-F101-02F2-D1A3-343FC9CFD71F}"/>
-              </a:ext>
-            </a:extLst>
-          </p:cNvPr>
-          <p:cNvSpPr>
-            <a:spLocks noGrp="1"/>
-          </p:cNvSpPr>
-          <p:nvPr>
-            <p:ph type="title"/>
-          </p:nvPr>
-        </p:nvSpPr>
-        <p:spPr/>
-        <p:txBody>
-          <a:bodyPr/>
-          <a:lstStyle/>
-          <a:p>
-            <a:r>
-              <a:rPr lang="de-DE" dirty="0"/>
-              <a:t>Optimierung eines linearen Modells („Baseline Modell“):</a:t>
-            </a:r>
-          </a:p>
-        </p:txBody>
-      </p:sp>
-      <p:sp>
-        <p:nvSpPr>
-          <p:cNvPr id="3" name="Inhaltsplatzhalter 2">
-            <a:extLst>
-              <a:ext uri="{FF2B5EF4-FFF2-40B4-BE49-F238E27FC236}">
-                <a16:creationId xmlns:a16="http://schemas.microsoft.com/office/drawing/2014/main" id="{776E0D2F-2868-ECD7-47D6-C9E54A0351E1}"/>
-              </a:ext>
-            </a:extLst>
-          </p:cNvPr>
-          <p:cNvSpPr>
-            <a:spLocks noGrp="1"/>
-          </p:cNvSpPr>
-          <p:nvPr>
-            <p:ph idx="1"/>
-          </p:nvPr>
-        </p:nvSpPr>
-        <p:spPr/>
-        <p:txBody>
-          <a:bodyPr/>
-          <a:lstStyle/>
-          <a:p>
-            <a:pPr marL="514350" indent="-514350">
-              <a:buFont typeface="+mj-lt"/>
-              <a:buAutoNum type="alphaLcParenR"/>
-            </a:pPr>
-            <a:r>
-              <a:rPr lang="de-DE" dirty="0"/>
-              <a:t> Modellgleichung:</a:t>
-            </a:r>
-          </a:p>
-        </p:txBody>
-      </p:sp>
-    </p:spTree>
-    <p:extLst>
-      <p:ext uri="{BB962C8B-B14F-4D97-AF65-F5344CB8AC3E}">
-        <p14:creationId xmlns:p14="http://schemas.microsoft.com/office/powerpoint/2010/main" val="597932820"/>
-      </p:ext>
-    </p:extLst>
-  </p:cSld>
-  <p:clrMapOvr>
-    <a:masterClrMapping/>
-  </p:clrMapOvr>
-</p:sld>
-</file>
-
 <file path=ppt/slides/slide6.xml><?xml version="1.0" encoding="utf-8"?>
 <p:sld xmlns:a="http://schemas.openxmlformats.org/drawingml/2006/main" xmlns:r="http://schemas.openxmlformats.org/officeDocument/2006/relationships" xmlns:p="http://schemas.openxmlformats.org/presentationml/2006/main">
   <p:cSld>
@@ -6065,27 +6201,55 @@
           <a:p>
             <a:pPr marL="514350" indent="-514350">
               <a:buFont typeface="+mj-lt"/>
-              <a:buAutoNum type="alphaLcParenR" startAt="2"/>
+              <a:buAutoNum type="alphaLcParenR"/>
             </a:pPr>
             <a:r>
               <a:rPr lang="de-DE" dirty="0"/>
-              <a:t> </a:t>
-            </a:r>
-            <a:r>
-              <a:rPr lang="de-DE" dirty="0" err="1"/>
-              <a:t>Adjusted</a:t>
-            </a:r>
-            <a:r>
-              <a:rPr lang="de-DE" dirty="0"/>
-              <a:t> r²:</a:t>
-            </a:r>
-          </a:p>
-        </p:txBody>
-      </p:sp>
+              <a:t> Modellgleichung:</a:t>
+            </a:r>
+          </a:p>
+        </p:txBody>
+      </p:sp>
+      <p:pic>
+        <p:nvPicPr>
+          <p:cNvPr id="5" name="Grafik 4">
+            <a:extLst>
+              <a:ext uri="{FF2B5EF4-FFF2-40B4-BE49-F238E27FC236}">
+                <a16:creationId xmlns:a16="http://schemas.microsoft.com/office/drawing/2014/main" id="{9523D6F7-A565-35A9-2EF7-5EC21CE8E8A2}"/>
+              </a:ext>
+            </a:extLst>
+          </p:cNvPr>
+          <p:cNvPicPr>
+            <a:picLocks noChangeAspect="1"/>
+          </p:cNvPicPr>
+          <p:nvPr/>
+        </p:nvPicPr>
+        <p:blipFill>
+          <a:blip r:embed="rId2">
+            <a:extLst>
+              <a:ext uri="{28A0092B-C50C-407E-A947-70E740481C1C}">
+                <a14:useLocalDpi xmlns:a14="http://schemas.microsoft.com/office/drawing/2010/main" val="0"/>
+              </a:ext>
+            </a:extLst>
+          </a:blip>
+          <a:stretch>
+            <a:fillRect/>
+          </a:stretch>
+        </p:blipFill>
+        <p:spPr>
+          <a:xfrm>
+            <a:off x="889861" y="3075586"/>
+            <a:ext cx="10412278" cy="3258005"/>
+          </a:xfrm>
+          <a:prstGeom prst="rect">
+            <a:avLst/>
+          </a:prstGeom>
+        </p:spPr>
+      </p:pic>
     </p:spTree>
     <p:extLst>
       <p:ext uri="{BB962C8B-B14F-4D97-AF65-F5344CB8AC3E}">
-        <p14:creationId xmlns:p14="http://schemas.microsoft.com/office/powerpoint/2010/main" val="2912599849"/>
+        <p14:creationId xmlns:p14="http://schemas.microsoft.com/office/powerpoint/2010/main" val="597932820"/>
       </p:ext>
     </p:extLst>
   </p:cSld>
@@ -6163,11 +6327,19 @@
           <a:p>
             <a:pPr marL="514350" indent="-514350">
               <a:buFont typeface="+mj-lt"/>
-              <a:buAutoNum type="alphaLcParenR" startAt="3"/>
+              <a:buAutoNum type="alphaLcParenR" startAt="2"/>
             </a:pPr>
             <a:r>
               <a:rPr lang="de-DE" dirty="0"/>
-              <a:t> MAPE für den Zeitraum vom 1.8.2018 bis 30.7.2019:</a:t>
+              <a:t> </a:t>
+            </a:r>
+            <a:r>
+              <a:rPr lang="de-DE" dirty="0" err="1"/>
+              <a:t>Adjusted</a:t>
+            </a:r>
+            <a:r>
+              <a:rPr lang="de-DE" dirty="0"/>
+              <a:t> r²:</a:t>
             </a:r>
           </a:p>
         </p:txBody>
@@ -6175,7 +6347,7 @@
     </p:spTree>
     <p:extLst>
       <p:ext uri="{BB962C8B-B14F-4D97-AF65-F5344CB8AC3E}">
-        <p14:creationId xmlns:p14="http://schemas.microsoft.com/office/powerpoint/2010/main" val="1283198544"/>
+        <p14:creationId xmlns:p14="http://schemas.microsoft.com/office/powerpoint/2010/main" val="2912599849"/>
       </p:ext>
     </p:extLst>
   </p:cSld>
@@ -6207,7 +6379,7 @@
           <p:cNvPr id="2" name="Titel 1">
             <a:extLst>
               <a:ext uri="{FF2B5EF4-FFF2-40B4-BE49-F238E27FC236}">
-                <a16:creationId xmlns:a16="http://schemas.microsoft.com/office/drawing/2014/main" id="{925338B6-1A89-75B3-28D9-BB71D0B6E999}"/>
+                <a16:creationId xmlns:a16="http://schemas.microsoft.com/office/drawing/2014/main" id="{6B5C63FE-F101-02F2-D1A3-343FC9CFD71F}"/>
               </a:ext>
             </a:extLst>
           </p:cNvPr>
@@ -6225,7 +6397,7 @@
           <a:p>
             <a:r>
               <a:rPr lang="de-DE" dirty="0"/>
-              <a:t>Optimierung eines neuronalen Netzes:</a:t>
+              <a:t>Optimierung eines linearen Modells („Baseline Modell“):</a:t>
             </a:r>
           </a:p>
         </p:txBody>
@@ -6235,7 +6407,7 @@
           <p:cNvPr id="3" name="Inhaltsplatzhalter 2">
             <a:extLst>
               <a:ext uri="{FF2B5EF4-FFF2-40B4-BE49-F238E27FC236}">
-                <a16:creationId xmlns:a16="http://schemas.microsoft.com/office/drawing/2014/main" id="{92BCCD00-C4DD-B23E-DA10-5A4D725B6C43}"/>
+                <a16:creationId xmlns:a16="http://schemas.microsoft.com/office/drawing/2014/main" id="{776E0D2F-2868-ECD7-47D6-C9E54A0351E1}"/>
               </a:ext>
             </a:extLst>
           </p:cNvPr>
@@ -6253,25 +6425,19 @@
           <a:p>
             <a:pPr marL="514350" indent="-514350">
               <a:buFont typeface="+mj-lt"/>
-              <a:buAutoNum type="alphaLcParenR"/>
+              <a:buAutoNum type="alphaLcParenR" startAt="3"/>
             </a:pPr>
             <a:r>
               <a:rPr lang="de-DE" dirty="0"/>
-              <a:t>Source Code der Definition des neuronalen Netzes</a:t>
-            </a:r>
-          </a:p>
-          <a:p>
-            <a:pPr marL="0" indent="0">
-              <a:buNone/>
-            </a:pPr>
-            <a:endParaRPr lang="de-DE" dirty="0"/>
+              <a:t> MAPE für den Zeitraum vom 1.8.2018 bis 30.7.2019:</a:t>
+            </a:r>
           </a:p>
         </p:txBody>
       </p:sp>
     </p:spTree>
     <p:extLst>
       <p:ext uri="{BB962C8B-B14F-4D97-AF65-F5344CB8AC3E}">
-        <p14:creationId xmlns:p14="http://schemas.microsoft.com/office/powerpoint/2010/main" val="150230274"/>
+        <p14:creationId xmlns:p14="http://schemas.microsoft.com/office/powerpoint/2010/main" val="1283198544"/>
       </p:ext>
     </p:extLst>
   </p:cSld>
@@ -6349,11 +6515,11 @@
           <a:p>
             <a:pPr marL="514350" indent="-514350">
               <a:buFont typeface="+mj-lt"/>
-              <a:buAutoNum type="alphaLcParenR" startAt="2"/>
+              <a:buAutoNum type="alphaLcParenR"/>
             </a:pPr>
             <a:r>
               <a:rPr lang="de-DE" dirty="0"/>
-              <a:t>Darstellung der Loss-Funktionen für Trainings- und Validierungsdatensatz</a:t>
+              <a:t>Source Code der Definition des neuronalen Netzes</a:t>
             </a:r>
           </a:p>
           <a:p>
@@ -6367,7 +6533,7 @@
     </p:spTree>
     <p:extLst>
       <p:ext uri="{BB962C8B-B14F-4D97-AF65-F5344CB8AC3E}">
-        <p14:creationId xmlns:p14="http://schemas.microsoft.com/office/powerpoint/2010/main" val="1581731859"/>
+        <p14:creationId xmlns:p14="http://schemas.microsoft.com/office/powerpoint/2010/main" val="150230274"/>
       </p:ext>
     </p:extLst>
   </p:cSld>

--- a/Präsentation Gruppe 2.pptx
+++ b/Präsentation Gruppe 2.pptx
@@ -5,22 +5,23 @@
     <p:sldMasterId id="2147483675" r:id="rId1"/>
   </p:sldMasterIdLst>
   <p:notesMasterIdLst>
-    <p:notesMasterId r:id="rId15"/>
+    <p:notesMasterId r:id="rId16"/>
   </p:notesMasterIdLst>
   <p:sldIdLst>
     <p:sldId id="256" r:id="rId2"/>
     <p:sldId id="268" r:id="rId3"/>
-    <p:sldId id="257" r:id="rId4"/>
-    <p:sldId id="269" r:id="rId5"/>
-    <p:sldId id="258" r:id="rId6"/>
-    <p:sldId id="259" r:id="rId7"/>
-    <p:sldId id="262" r:id="rId8"/>
-    <p:sldId id="263" r:id="rId9"/>
-    <p:sldId id="260" r:id="rId10"/>
-    <p:sldId id="264" r:id="rId11"/>
-    <p:sldId id="265" r:id="rId12"/>
-    <p:sldId id="261" r:id="rId13"/>
-    <p:sldId id="267" r:id="rId14"/>
+    <p:sldId id="271" r:id="rId4"/>
+    <p:sldId id="257" r:id="rId5"/>
+    <p:sldId id="269" r:id="rId6"/>
+    <p:sldId id="258" r:id="rId7"/>
+    <p:sldId id="259" r:id="rId8"/>
+    <p:sldId id="262" r:id="rId9"/>
+    <p:sldId id="263" r:id="rId10"/>
+    <p:sldId id="260" r:id="rId11"/>
+    <p:sldId id="264" r:id="rId12"/>
+    <p:sldId id="265" r:id="rId13"/>
+    <p:sldId id="261" r:id="rId14"/>
+    <p:sldId id="267" r:id="rId15"/>
   </p:sldIdLst>
   <p:sldSz cx="12192000" cy="6858000"/>
   <p:notesSz cx="6858000" cy="9144000"/>
@@ -121,7 +122,18 @@
   </p:defaultTextStyle>
   <p:extLst>
     <p:ext uri="{EFAFB233-063F-42B5-8137-9DF3F51BA10A}">
-      <p15:sldGuideLst xmlns:p15="http://schemas.microsoft.com/office/powerpoint/2012/main"/>
+      <p15:sldGuideLst xmlns:p15="http://schemas.microsoft.com/office/powerpoint/2012/main">
+        <p15:guide id="1" orient="horz" pos="2160" userDrawn="1">
+          <p15:clr>
+            <a:srgbClr val="A4A3A4"/>
+          </p15:clr>
+        </p15:guide>
+        <p15:guide id="2" pos="3840" userDrawn="1">
+          <p15:clr>
+            <a:srgbClr val="A4A3A4"/>
+          </p15:clr>
+        </p15:guide>
+      </p15:sldGuideLst>
     </p:ext>
     <p:ext uri="{2D200454-40CA-4A62-9FC3-DE9A4176ACB9}">
       <p15:notesGuideLst xmlns:p15="http://schemas.microsoft.com/office/powerpoint/2012/main"/>
@@ -212,7 +224,7 @@
           <a:p>
             <a:fld id="{4C81589B-D375-4636-8EDE-B73CDB9EEC0F}" type="datetimeFigureOut">
               <a:rPr lang="de-DE" smtClean="0"/>
-              <a:t>21.01.2024</a:t>
+              <a:t>22.01.2024</a:t>
             </a:fld>
             <a:endParaRPr lang="de-DE"/>
           </a:p>
@@ -628,7 +640,7 @@
           <a:p>
             <a:fld id="{6620C3BC-38C1-43FE-B962-4441245910D1}" type="slidenum">
               <a:rPr lang="de-DE" smtClean="0"/>
-              <a:t>5</a:t>
+              <a:t>6</a:t>
             </a:fld>
             <a:endParaRPr lang="de-DE"/>
           </a:p>
@@ -638,6 +650,105 @@
     <p:extLst>
       <p:ext uri="{BB962C8B-B14F-4D97-AF65-F5344CB8AC3E}">
         <p14:creationId xmlns:p14="http://schemas.microsoft.com/office/powerpoint/2010/main" val="2781838"/>
+      </p:ext>
+    </p:extLst>
+  </p:cSld>
+  <p:clrMapOvr>
+    <a:masterClrMapping/>
+  </p:clrMapOvr>
+</p:notes>
+</file>
+
+<file path=ppt/notesSlides/notesSlide3.xml><?xml version="1.0" encoding="utf-8"?>
+<p:notes xmlns:a="http://schemas.openxmlformats.org/drawingml/2006/main" xmlns:r="http://schemas.openxmlformats.org/officeDocument/2006/relationships" xmlns:p="http://schemas.openxmlformats.org/presentationml/2006/main">
+  <p:cSld>
+    <p:spTree>
+      <p:nvGrpSpPr>
+        <p:cNvPr id="1" name=""/>
+        <p:cNvGrpSpPr/>
+        <p:nvPr/>
+      </p:nvGrpSpPr>
+      <p:grpSpPr>
+        <a:xfrm>
+          <a:off x="0" y="0"/>
+          <a:ext cx="0" cy="0"/>
+          <a:chOff x="0" y="0"/>
+          <a:chExt cx="0" cy="0"/>
+        </a:xfrm>
+      </p:grpSpPr>
+      <p:sp>
+        <p:nvSpPr>
+          <p:cNvPr id="2" name="Folienbildplatzhalter 1"/>
+          <p:cNvSpPr>
+            <a:spLocks noGrp="1" noRot="1" noChangeAspect="1"/>
+          </p:cNvSpPr>
+          <p:nvPr>
+            <p:ph type="sldImg"/>
+          </p:nvPr>
+        </p:nvSpPr>
+        <p:spPr/>
+      </p:sp>
+      <p:sp>
+        <p:nvSpPr>
+          <p:cNvPr id="3" name="Notizenplatzhalter 2"/>
+          <p:cNvSpPr>
+            <a:spLocks noGrp="1"/>
+          </p:cNvSpPr>
+          <p:nvPr>
+            <p:ph type="body" idx="1"/>
+          </p:nvPr>
+        </p:nvSpPr>
+        <p:spPr/>
+        <p:txBody>
+          <a:bodyPr/>
+          <a:lstStyle/>
+          <a:p>
+            <a:r>
+              <a:rPr lang="de-DE" dirty="0"/>
+              <a:t>Was interessant ist, beispielsweise unter der Woche keinen </a:t>
+            </a:r>
+            <a:r>
+              <a:rPr lang="de-DE" dirty="0" err="1"/>
+              <a:t>Einfluss</a:t>
+            </a:r>
+            <a:r>
+              <a:rPr lang="de-DE" dirty="0"/>
+              <a:t> aber Wochenende, genauso wie bei Temperatur heiß/kalt keinen aber moderat </a:t>
+            </a:r>
+            <a:r>
+              <a:rPr lang="de-DE"/>
+              <a:t>&amp; sommerlich</a:t>
+            </a:r>
+          </a:p>
+        </p:txBody>
+      </p:sp>
+      <p:sp>
+        <p:nvSpPr>
+          <p:cNvPr id="4" name="Foliennummernplatzhalter 3"/>
+          <p:cNvSpPr>
+            <a:spLocks noGrp="1"/>
+          </p:cNvSpPr>
+          <p:nvPr>
+            <p:ph type="sldNum" sz="quarter" idx="5"/>
+          </p:nvPr>
+        </p:nvSpPr>
+        <p:spPr/>
+        <p:txBody>
+          <a:bodyPr/>
+          <a:lstStyle/>
+          <a:p>
+            <a:fld id="{6620C3BC-38C1-43FE-B962-4441245910D1}" type="slidenum">
+              <a:rPr lang="de-DE" smtClean="0"/>
+              <a:t>8</a:t>
+            </a:fld>
+            <a:endParaRPr lang="de-DE"/>
+          </a:p>
+        </p:txBody>
+      </p:sp>
+    </p:spTree>
+    <p:extLst>
+      <p:ext uri="{BB962C8B-B14F-4D97-AF65-F5344CB8AC3E}">
+        <p14:creationId xmlns:p14="http://schemas.microsoft.com/office/powerpoint/2010/main" val="2221692920"/>
       </p:ext>
     </p:extLst>
   </p:cSld>
@@ -810,7 +921,7 @@
           <a:p>
             <a:fld id="{17A1FADB-49D7-4AF2-A412-338A0E252B7F}" type="datetimeFigureOut">
               <a:rPr lang="de-DE" smtClean="0"/>
-              <a:t>21.01.2024</a:t>
+              <a:t>22.01.2024</a:t>
             </a:fld>
             <a:endParaRPr lang="de-DE"/>
           </a:p>
@@ -980,7 +1091,7 @@
           <a:p>
             <a:fld id="{17A1FADB-49D7-4AF2-A412-338A0E252B7F}" type="datetimeFigureOut">
               <a:rPr lang="de-DE" smtClean="0"/>
-              <a:t>21.01.2024</a:t>
+              <a:t>22.01.2024</a:t>
             </a:fld>
             <a:endParaRPr lang="de-DE"/>
           </a:p>
@@ -1160,7 +1271,7 @@
           <a:p>
             <a:fld id="{17A1FADB-49D7-4AF2-A412-338A0E252B7F}" type="datetimeFigureOut">
               <a:rPr lang="de-DE" smtClean="0"/>
-              <a:t>21.01.2024</a:t>
+              <a:t>22.01.2024</a:t>
             </a:fld>
             <a:endParaRPr lang="de-DE"/>
           </a:p>
@@ -1330,7 +1441,7 @@
           <a:p>
             <a:fld id="{17A1FADB-49D7-4AF2-A412-338A0E252B7F}" type="datetimeFigureOut">
               <a:rPr lang="de-DE" smtClean="0"/>
-              <a:t>21.01.2024</a:t>
+              <a:t>22.01.2024</a:t>
             </a:fld>
             <a:endParaRPr lang="de-DE"/>
           </a:p>
@@ -1598,7 +1709,7 @@
           <a:p>
             <a:fld id="{17A1FADB-49D7-4AF2-A412-338A0E252B7F}" type="datetimeFigureOut">
               <a:rPr lang="de-DE" smtClean="0"/>
-              <a:t>21.01.2024</a:t>
+              <a:t>22.01.2024</a:t>
             </a:fld>
             <a:endParaRPr lang="de-DE"/>
           </a:p>
@@ -1830,7 +1941,7 @@
           <a:p>
             <a:fld id="{17A1FADB-49D7-4AF2-A412-338A0E252B7F}" type="datetimeFigureOut">
               <a:rPr lang="de-DE" smtClean="0"/>
-              <a:t>21.01.2024</a:t>
+              <a:t>22.01.2024</a:t>
             </a:fld>
             <a:endParaRPr lang="de-DE"/>
           </a:p>
@@ -2189,7 +2300,7 @@
           <a:p>
             <a:fld id="{17A1FADB-49D7-4AF2-A412-338A0E252B7F}" type="datetimeFigureOut">
               <a:rPr lang="de-DE" smtClean="0"/>
-              <a:t>21.01.2024</a:t>
+              <a:t>22.01.2024</a:t>
             </a:fld>
             <a:endParaRPr lang="de-DE"/>
           </a:p>
@@ -2330,7 +2441,7 @@
           <a:p>
             <a:fld id="{17A1FADB-49D7-4AF2-A412-338A0E252B7F}" type="datetimeFigureOut">
               <a:rPr lang="de-DE" smtClean="0"/>
-              <a:t>21.01.2024</a:t>
+              <a:t>22.01.2024</a:t>
             </a:fld>
             <a:endParaRPr lang="de-DE"/>
           </a:p>
@@ -2425,7 +2536,7 @@
           <a:p>
             <a:fld id="{17A1FADB-49D7-4AF2-A412-338A0E252B7F}" type="datetimeFigureOut">
               <a:rPr lang="de-DE" smtClean="0"/>
-              <a:t>21.01.2024</a:t>
+              <a:t>22.01.2024</a:t>
             </a:fld>
             <a:endParaRPr lang="de-DE"/>
           </a:p>
@@ -2782,7 +2893,7 @@
           <a:p>
             <a:fld id="{17A1FADB-49D7-4AF2-A412-338A0E252B7F}" type="datetimeFigureOut">
               <a:rPr lang="de-DE" smtClean="0"/>
-              <a:t>21.01.2024</a:t>
+              <a:t>22.01.2024</a:t>
             </a:fld>
             <a:endParaRPr lang="de-DE"/>
           </a:p>
@@ -3139,7 +3250,7 @@
           <a:p>
             <a:fld id="{17A1FADB-49D7-4AF2-A412-338A0E252B7F}" type="datetimeFigureOut">
               <a:rPr lang="de-DE" smtClean="0"/>
-              <a:t>21.01.2024</a:t>
+              <a:t>22.01.2024</a:t>
             </a:fld>
             <a:endParaRPr lang="de-DE"/>
           </a:p>
@@ -3381,7 +3492,7 @@
           <a:p>
             <a:fld id="{17A1FADB-49D7-4AF2-A412-338A0E252B7F}" type="datetimeFigureOut">
               <a:rPr lang="de-DE" smtClean="0"/>
-              <a:t>21.01.2024</a:t>
+              <a:t>22.01.2024</a:t>
             </a:fld>
             <a:endParaRPr lang="de-DE"/>
           </a:p>
@@ -3986,11 +4097,11 @@
           <a:p>
             <a:pPr marL="514350" indent="-514350">
               <a:buFont typeface="+mj-lt"/>
-              <a:buAutoNum type="alphaLcParenR" startAt="2"/>
+              <a:buAutoNum type="alphaLcParenR"/>
             </a:pPr>
             <a:r>
               <a:rPr lang="de-DE" dirty="0"/>
-              <a:t>Darstellung der Loss-Funktionen für Trainings- und Validierungsdatensatz</a:t>
+              <a:t>Source Code der Definition des neuronalen Netzes</a:t>
             </a:r>
           </a:p>
           <a:p>
@@ -4004,7 +4115,7 @@
     </p:spTree>
     <p:extLst>
       <p:ext uri="{BB962C8B-B14F-4D97-AF65-F5344CB8AC3E}">
-        <p14:creationId xmlns:p14="http://schemas.microsoft.com/office/powerpoint/2010/main" val="1581731859"/>
+        <p14:creationId xmlns:p14="http://schemas.microsoft.com/office/powerpoint/2010/main" val="150230274"/>
       </p:ext>
     </p:extLst>
   </p:cSld>
@@ -4082,6 +4193,102 @@
           <a:p>
             <a:pPr marL="514350" indent="-514350">
               <a:buFont typeface="+mj-lt"/>
+              <a:buAutoNum type="alphaLcParenR" startAt="2"/>
+            </a:pPr>
+            <a:r>
+              <a:rPr lang="de-DE" dirty="0"/>
+              <a:t>Darstellung der Loss-Funktionen für Trainings- und Validierungsdatensatz</a:t>
+            </a:r>
+          </a:p>
+          <a:p>
+            <a:pPr marL="0" indent="0">
+              <a:buNone/>
+            </a:pPr>
+            <a:endParaRPr lang="de-DE" dirty="0"/>
+          </a:p>
+        </p:txBody>
+      </p:sp>
+    </p:spTree>
+    <p:extLst>
+      <p:ext uri="{BB962C8B-B14F-4D97-AF65-F5344CB8AC3E}">
+        <p14:creationId xmlns:p14="http://schemas.microsoft.com/office/powerpoint/2010/main" val="1581731859"/>
+      </p:ext>
+    </p:extLst>
+  </p:cSld>
+  <p:clrMapOvr>
+    <a:masterClrMapping/>
+  </p:clrMapOvr>
+</p:sld>
+</file>
+
+<file path=ppt/slides/slide12.xml><?xml version="1.0" encoding="utf-8"?>
+<p:sld xmlns:a="http://schemas.openxmlformats.org/drawingml/2006/main" xmlns:r="http://schemas.openxmlformats.org/officeDocument/2006/relationships" xmlns:p="http://schemas.openxmlformats.org/presentationml/2006/main">
+  <p:cSld>
+    <p:spTree>
+      <p:nvGrpSpPr>
+        <p:cNvPr id="1" name=""/>
+        <p:cNvGrpSpPr/>
+        <p:nvPr/>
+      </p:nvGrpSpPr>
+      <p:grpSpPr>
+        <a:xfrm>
+          <a:off x="0" y="0"/>
+          <a:ext cx="0" cy="0"/>
+          <a:chOff x="0" y="0"/>
+          <a:chExt cx="0" cy="0"/>
+        </a:xfrm>
+      </p:grpSpPr>
+      <p:sp>
+        <p:nvSpPr>
+          <p:cNvPr id="2" name="Titel 1">
+            <a:extLst>
+              <a:ext uri="{FF2B5EF4-FFF2-40B4-BE49-F238E27FC236}">
+                <a16:creationId xmlns:a16="http://schemas.microsoft.com/office/drawing/2014/main" id="{925338B6-1A89-75B3-28D9-BB71D0B6E999}"/>
+              </a:ext>
+            </a:extLst>
+          </p:cNvPr>
+          <p:cNvSpPr>
+            <a:spLocks noGrp="1"/>
+          </p:cNvSpPr>
+          <p:nvPr>
+            <p:ph type="title"/>
+          </p:nvPr>
+        </p:nvSpPr>
+        <p:spPr/>
+        <p:txBody>
+          <a:bodyPr/>
+          <a:lstStyle/>
+          <a:p>
+            <a:r>
+              <a:rPr lang="de-DE" dirty="0"/>
+              <a:t>Optimierung eines neuronalen Netzes:</a:t>
+            </a:r>
+          </a:p>
+        </p:txBody>
+      </p:sp>
+      <p:sp>
+        <p:nvSpPr>
+          <p:cNvPr id="3" name="Inhaltsplatzhalter 2">
+            <a:extLst>
+              <a:ext uri="{FF2B5EF4-FFF2-40B4-BE49-F238E27FC236}">
+                <a16:creationId xmlns:a16="http://schemas.microsoft.com/office/drawing/2014/main" id="{92BCCD00-C4DD-B23E-DA10-5A4D725B6C43}"/>
+              </a:ext>
+            </a:extLst>
+          </p:cNvPr>
+          <p:cNvSpPr>
+            <a:spLocks noGrp="1"/>
+          </p:cNvSpPr>
+          <p:nvPr>
+            <p:ph idx="1"/>
+          </p:nvPr>
+        </p:nvSpPr>
+        <p:spPr/>
+        <p:txBody>
+          <a:bodyPr/>
+          <a:lstStyle/>
+          <a:p>
+            <a:pPr marL="514350" indent="-514350">
+              <a:buFont typeface="+mj-lt"/>
               <a:buAutoNum type="alphaLcParenR" startAt="3"/>
             </a:pPr>
             <a:r>
@@ -4110,7 +4317,7 @@
 </p:sld>
 </file>
 
-<file path=ppt/slides/slide12.xml><?xml version="1.0" encoding="utf-8"?>
+<file path=ppt/slides/slide13.xml><?xml version="1.0" encoding="utf-8"?>
 <p:sld xmlns:a="http://schemas.openxmlformats.org/drawingml/2006/main" xmlns:r="http://schemas.openxmlformats.org/officeDocument/2006/relationships" xmlns:p="http://schemas.openxmlformats.org/presentationml/2006/main">
   <p:cSld>
     <p:spTree>
@@ -5275,7 +5482,7 @@
 </p:sld>
 </file>
 
-<file path=ppt/slides/slide13.xml><?xml version="1.0" encoding="utf-8"?>
+<file path=ppt/slides/slide14.xml><?xml version="1.0" encoding="utf-8"?>
 <p:sld xmlns:a="http://schemas.openxmlformats.org/drawingml/2006/main" xmlns:r="http://schemas.openxmlformats.org/officeDocument/2006/relationships" xmlns:p="http://schemas.openxmlformats.org/presentationml/2006/main">
   <p:cSld>
     <p:spTree>
@@ -5456,12 +5663,14 @@
         </p:nvSpPr>
         <p:spPr/>
         <p:txBody>
-          <a:bodyPr/>
+          <a:bodyPr>
+            <a:normAutofit/>
+          </a:bodyPr>
           <a:lstStyle/>
           <a:p>
             <a:r>
               <a:rPr lang="de-DE" dirty="0"/>
-              <a:t>Vorstellung des Datensatzes inkl. Selbst erstellter variablen</a:t>
+              <a:t>Vorstellung des Datensatzes inkl. Selbst erstellter variablen 1/2</a:t>
             </a:r>
           </a:p>
         </p:txBody>
@@ -5488,38 +5697,8 @@
         </p:blipFill>
         <p:spPr>
           <a:xfrm>
-            <a:off x="1650938" y="2417948"/>
+            <a:off x="2720476" y="2457530"/>
             <a:ext cx="857294" cy="1397072"/>
-          </a:xfrm>
-          <a:prstGeom prst="rect">
-            <a:avLst/>
-          </a:prstGeom>
-        </p:spPr>
-      </p:pic>
-      <p:pic>
-        <p:nvPicPr>
-          <p:cNvPr id="7" name="Grafik 6">
-            <a:extLst>
-              <a:ext uri="{FF2B5EF4-FFF2-40B4-BE49-F238E27FC236}">
-                <a16:creationId xmlns:a16="http://schemas.microsoft.com/office/drawing/2014/main" id="{D2291292-DA77-9332-7E03-4EF8515F42DC}"/>
-              </a:ext>
-            </a:extLst>
-          </p:cNvPr>
-          <p:cNvPicPr>
-            <a:picLocks noChangeAspect="1"/>
-          </p:cNvPicPr>
-          <p:nvPr/>
-        </p:nvPicPr>
-        <p:blipFill>
-          <a:blip r:embed="rId3"/>
-          <a:stretch>
-            <a:fillRect/>
-          </a:stretch>
-        </p:blipFill>
-        <p:spPr>
-          <a:xfrm>
-            <a:off x="2957030" y="2456050"/>
-            <a:ext cx="768389" cy="1320868"/>
           </a:xfrm>
           <a:prstGeom prst="rect">
             <a:avLst/>
@@ -5541,75 +5720,15 @@
           <p:nvPr/>
         </p:nvPicPr>
         <p:blipFill>
-          <a:blip r:embed="rId4"/>
+          <a:blip r:embed="rId3"/>
           <a:stretch>
             <a:fillRect/>
           </a:stretch>
         </p:blipFill>
         <p:spPr>
           <a:xfrm>
-            <a:off x="4426295" y="2456050"/>
+            <a:off x="5768958" y="2457530"/>
             <a:ext cx="654084" cy="1155759"/>
-          </a:xfrm>
-          <a:prstGeom prst="rect">
-            <a:avLst/>
-          </a:prstGeom>
-        </p:spPr>
-      </p:pic>
-      <p:pic>
-        <p:nvPicPr>
-          <p:cNvPr id="11" name="Grafik 10">
-            <a:extLst>
-              <a:ext uri="{FF2B5EF4-FFF2-40B4-BE49-F238E27FC236}">
-                <a16:creationId xmlns:a16="http://schemas.microsoft.com/office/drawing/2014/main" id="{C8892980-34F0-3C73-F091-CACF220C0523}"/>
-              </a:ext>
-            </a:extLst>
-          </p:cNvPr>
-          <p:cNvPicPr>
-            <a:picLocks noChangeAspect="1"/>
-          </p:cNvPicPr>
-          <p:nvPr/>
-        </p:nvPicPr>
-        <p:blipFill>
-          <a:blip r:embed="rId5"/>
-          <a:stretch>
-            <a:fillRect/>
-          </a:stretch>
-        </p:blipFill>
-        <p:spPr>
-          <a:xfrm>
-            <a:off x="5590135" y="2417948"/>
-            <a:ext cx="1358970" cy="1555830"/>
-          </a:xfrm>
-          <a:prstGeom prst="rect">
-            <a:avLst/>
-          </a:prstGeom>
-        </p:spPr>
-      </p:pic>
-      <p:pic>
-        <p:nvPicPr>
-          <p:cNvPr id="13" name="Grafik 12">
-            <a:extLst>
-              <a:ext uri="{FF2B5EF4-FFF2-40B4-BE49-F238E27FC236}">
-                <a16:creationId xmlns:a16="http://schemas.microsoft.com/office/drawing/2014/main" id="{07B1A1E7-D4C7-DBB6-B498-707B604E6692}"/>
-              </a:ext>
-            </a:extLst>
-          </p:cNvPr>
-          <p:cNvPicPr>
-            <a:picLocks noChangeAspect="1"/>
-          </p:cNvPicPr>
-          <p:nvPr/>
-        </p:nvPicPr>
-        <p:blipFill>
-          <a:blip r:embed="rId6"/>
-          <a:stretch>
-            <a:fillRect/>
-          </a:stretch>
-        </p:blipFill>
-        <p:spPr>
-          <a:xfrm>
-            <a:off x="7458861" y="2564006"/>
-            <a:ext cx="939848" cy="1409772"/>
           </a:xfrm>
           <a:prstGeom prst="rect">
             <a:avLst/>
@@ -5631,14 +5750,14 @@
           <p:nvPr/>
         </p:nvPicPr>
         <p:blipFill>
-          <a:blip r:embed="rId7"/>
+          <a:blip r:embed="rId4"/>
           <a:stretch>
             <a:fillRect/>
           </a:stretch>
         </p:blipFill>
         <p:spPr>
           <a:xfrm>
-            <a:off x="1374991" y="4229949"/>
+            <a:off x="2720476" y="4373461"/>
             <a:ext cx="946199" cy="1384371"/>
           </a:xfrm>
           <a:prstGeom prst="rect">
@@ -5661,14 +5780,14 @@
           <p:nvPr/>
         </p:nvPicPr>
         <p:blipFill>
-          <a:blip r:embed="rId8"/>
+          <a:blip r:embed="rId5"/>
           <a:stretch>
             <a:fillRect/>
           </a:stretch>
         </p:blipFill>
         <p:spPr>
           <a:xfrm>
-            <a:off x="5590135" y="4373461"/>
+            <a:off x="5737206" y="4286675"/>
             <a:ext cx="717587" cy="1606633"/>
           </a:xfrm>
           <a:prstGeom prst="rect">
@@ -5691,14 +5810,14 @@
           <p:nvPr/>
         </p:nvPicPr>
         <p:blipFill>
-          <a:blip r:embed="rId9"/>
+          <a:blip r:embed="rId6"/>
           <a:stretch>
             <a:fillRect/>
           </a:stretch>
         </p:blipFill>
         <p:spPr>
           <a:xfrm>
-            <a:off x="3341224" y="4124234"/>
+            <a:off x="8614230" y="2451180"/>
             <a:ext cx="615982" cy="1403422"/>
           </a:xfrm>
           <a:prstGeom prst="rect">
@@ -5706,66 +5825,514 @@
           </a:prstGeom>
         </p:spPr>
       </p:pic>
-      <p:pic>
-        <p:nvPicPr>
-          <p:cNvPr id="21" name="Grafik 20">
+      <p:cxnSp>
+        <p:nvCxnSpPr>
+          <p:cNvPr id="4" name="Gerade Verbindung mit Pfeil 3">
             <a:extLst>
               <a:ext uri="{FF2B5EF4-FFF2-40B4-BE49-F238E27FC236}">
-                <a16:creationId xmlns:a16="http://schemas.microsoft.com/office/drawing/2014/main" id="{17C24B23-5CE8-1E5E-02CC-57A819815951}"/>
+                <a16:creationId xmlns:a16="http://schemas.microsoft.com/office/drawing/2014/main" id="{92D8EF7E-1EDB-DD9D-07F4-92CA0063533B}"/>
               </a:ext>
             </a:extLst>
           </p:cNvPr>
-          <p:cNvPicPr>
-            <a:picLocks noChangeAspect="1"/>
-          </p:cNvPicPr>
+          <p:cNvCxnSpPr>
+            <a:cxnSpLocks/>
+          </p:cNvCxnSpPr>
           <p:nvPr/>
-        </p:nvPicPr>
-        <p:blipFill>
-          <a:blip r:embed="rId10"/>
-          <a:stretch>
-            <a:fillRect/>
-          </a:stretch>
-        </p:blipFill>
+        </p:nvCxnSpPr>
+        <p:spPr>
+          <a:xfrm flipH="1">
+            <a:off x="2105425" y="2612571"/>
+            <a:ext cx="536806" cy="0"/>
+          </a:xfrm>
+          <a:prstGeom prst="straightConnector1">
+            <a:avLst/>
+          </a:prstGeom>
+          <a:ln w="28575">
+            <a:solidFill>
+              <a:schemeClr val="accent2">
+                <a:lumMod val="75000"/>
+              </a:schemeClr>
+            </a:solidFill>
+            <a:tailEnd type="triangle"/>
+          </a:ln>
+        </p:spPr>
+        <p:style>
+          <a:lnRef idx="1">
+            <a:schemeClr val="accent1"/>
+          </a:lnRef>
+          <a:fillRef idx="0">
+            <a:schemeClr val="accent1"/>
+          </a:fillRef>
+          <a:effectRef idx="0">
+            <a:schemeClr val="accent1"/>
+          </a:effectRef>
+          <a:fontRef idx="minor">
+            <a:schemeClr val="tx1"/>
+          </a:fontRef>
+        </p:style>
+      </p:cxnSp>
+      <p:sp>
+        <p:nvSpPr>
+          <p:cNvPr id="12" name="Textfeld 11">
+            <a:extLst>
+              <a:ext uri="{FF2B5EF4-FFF2-40B4-BE49-F238E27FC236}">
+                <a16:creationId xmlns:a16="http://schemas.microsoft.com/office/drawing/2014/main" id="{AA0593A7-FCEC-D2D0-3219-76F2375DD42C}"/>
+              </a:ext>
+            </a:extLst>
+          </p:cNvPr>
+          <p:cNvSpPr txBox="1"/>
+          <p:nvPr/>
+        </p:nvSpPr>
         <p:spPr>
           <a:xfrm>
-            <a:off x="7792253" y="4007687"/>
-            <a:ext cx="1212912" cy="1606633"/>
+            <a:off x="1055479" y="2296745"/>
+            <a:ext cx="1175657" cy="738664"/>
           </a:xfrm>
           <a:prstGeom prst="rect">
             <a:avLst/>
           </a:prstGeom>
+          <a:noFill/>
         </p:spPr>
-      </p:pic>
-      <p:pic>
-        <p:nvPicPr>
-          <p:cNvPr id="23" name="Grafik 22">
+        <p:txBody>
+          <a:bodyPr wrap="square" rtlCol="0">
+            <a:spAutoFit/>
+          </a:bodyPr>
+          <a:lstStyle/>
+          <a:p>
+            <a:r>
+              <a:rPr lang="de-DE" sz="1400" dirty="0"/>
+              <a:t>Aus Datum Wochentag extrahiert</a:t>
+            </a:r>
+          </a:p>
+        </p:txBody>
+      </p:sp>
+      <p:grpSp>
+        <p:nvGrpSpPr>
+          <p:cNvPr id="18" name="Gruppieren 17">
             <a:extLst>
               <a:ext uri="{FF2B5EF4-FFF2-40B4-BE49-F238E27FC236}">
-                <a16:creationId xmlns:a16="http://schemas.microsoft.com/office/drawing/2014/main" id="{813C535F-C7A9-63B6-4ADA-E2EA57BD3201}"/>
+                <a16:creationId xmlns:a16="http://schemas.microsoft.com/office/drawing/2014/main" id="{08E141A5-EA89-836E-94C8-01260FF51B51}"/>
               </a:ext>
             </a:extLst>
           </p:cNvPr>
-          <p:cNvPicPr>
-            <a:picLocks noChangeAspect="1"/>
-          </p:cNvPicPr>
+          <p:cNvGrpSpPr/>
           <p:nvPr/>
-        </p:nvPicPr>
-        <p:blipFill>
-          <a:blip r:embed="rId11"/>
-          <a:stretch>
-            <a:fillRect/>
-          </a:stretch>
-        </p:blipFill>
-        <p:spPr>
+        </p:nvGrpSpPr>
+        <p:grpSpPr>
           <a:xfrm>
-            <a:off x="7197262" y="2926704"/>
-            <a:ext cx="4075415" cy="1776632"/>
+            <a:off x="1055479" y="4196877"/>
+            <a:ext cx="1586752" cy="523220"/>
+            <a:chOff x="1207879" y="2449145"/>
+            <a:chExt cx="1586752" cy="523220"/>
           </a:xfrm>
-          <a:prstGeom prst="rect">
-            <a:avLst/>
-          </a:prstGeom>
-        </p:spPr>
-      </p:pic>
+        </p:grpSpPr>
+        <p:cxnSp>
+          <p:nvCxnSpPr>
+            <p:cNvPr id="14" name="Gerade Verbindung mit Pfeil 13">
+              <a:extLst>
+                <a:ext uri="{FF2B5EF4-FFF2-40B4-BE49-F238E27FC236}">
+                  <a16:creationId xmlns:a16="http://schemas.microsoft.com/office/drawing/2014/main" id="{2040D6D4-E392-0FB1-0C24-4D1F5EB3827F}"/>
+                </a:ext>
+              </a:extLst>
+            </p:cNvPr>
+            <p:cNvCxnSpPr>
+              <a:cxnSpLocks/>
+            </p:cNvCxnSpPr>
+            <p:nvPr/>
+          </p:nvCxnSpPr>
+          <p:spPr>
+            <a:xfrm flipH="1">
+              <a:off x="2257825" y="2764971"/>
+              <a:ext cx="536806" cy="0"/>
+            </a:xfrm>
+            <a:prstGeom prst="straightConnector1">
+              <a:avLst/>
+            </a:prstGeom>
+            <a:ln w="28575">
+              <a:solidFill>
+                <a:schemeClr val="accent2">
+                  <a:lumMod val="75000"/>
+                </a:schemeClr>
+              </a:solidFill>
+              <a:tailEnd type="triangle"/>
+            </a:ln>
+          </p:spPr>
+          <p:style>
+            <a:lnRef idx="1">
+              <a:schemeClr val="accent1"/>
+            </a:lnRef>
+            <a:fillRef idx="0">
+              <a:schemeClr val="accent1"/>
+            </a:fillRef>
+            <a:effectRef idx="0">
+              <a:schemeClr val="accent1"/>
+            </a:effectRef>
+            <a:fontRef idx="minor">
+              <a:schemeClr val="tx1"/>
+            </a:fontRef>
+          </p:style>
+        </p:cxnSp>
+        <p:sp>
+          <p:nvSpPr>
+            <p:cNvPr id="16" name="Textfeld 15">
+              <a:extLst>
+                <a:ext uri="{FF2B5EF4-FFF2-40B4-BE49-F238E27FC236}">
+                  <a16:creationId xmlns:a16="http://schemas.microsoft.com/office/drawing/2014/main" id="{5EB8FCF9-A25A-1C6E-FA54-DC4F0892D828}"/>
+                </a:ext>
+              </a:extLst>
+            </p:cNvPr>
+            <p:cNvSpPr txBox="1"/>
+            <p:nvPr/>
+          </p:nvSpPr>
+          <p:spPr>
+            <a:xfrm>
+              <a:off x="1207879" y="2449145"/>
+              <a:ext cx="1175657" cy="523220"/>
+            </a:xfrm>
+            <a:prstGeom prst="rect">
+              <a:avLst/>
+            </a:prstGeom>
+            <a:noFill/>
+          </p:spPr>
+          <p:txBody>
+            <a:bodyPr wrap="square" rtlCol="0">
+              <a:spAutoFit/>
+            </a:bodyPr>
+            <a:lstStyle/>
+            <a:p>
+              <a:r>
+                <a:rPr lang="de-DE" sz="1400" dirty="0" err="1"/>
+                <a:t>Kielerwoche</a:t>
+              </a:r>
+              <a:r>
+                <a:rPr lang="de-DE" sz="1400" dirty="0"/>
+                <a:t> True/</a:t>
+              </a:r>
+              <a:r>
+                <a:rPr lang="de-DE" sz="1400" dirty="0" err="1"/>
+                <a:t>False</a:t>
+              </a:r>
+              <a:endParaRPr lang="de-DE" sz="1400" dirty="0"/>
+            </a:p>
+          </p:txBody>
+        </p:sp>
+      </p:grpSp>
+      <p:grpSp>
+        <p:nvGrpSpPr>
+          <p:cNvPr id="20" name="Gruppieren 19">
+            <a:extLst>
+              <a:ext uri="{FF2B5EF4-FFF2-40B4-BE49-F238E27FC236}">
+                <a16:creationId xmlns:a16="http://schemas.microsoft.com/office/drawing/2014/main" id="{E5202BD3-6BE3-D424-86E6-31A552A9C317}"/>
+              </a:ext>
+            </a:extLst>
+          </p:cNvPr>
+          <p:cNvGrpSpPr/>
+          <p:nvPr/>
+        </p:nvGrpSpPr>
+        <p:grpSpPr>
+          <a:xfrm>
+            <a:off x="4150454" y="2296745"/>
+            <a:ext cx="1586752" cy="738664"/>
+            <a:chOff x="1207879" y="2449145"/>
+            <a:chExt cx="1586752" cy="738664"/>
+          </a:xfrm>
+        </p:grpSpPr>
+        <p:cxnSp>
+          <p:nvCxnSpPr>
+            <p:cNvPr id="22" name="Gerade Verbindung mit Pfeil 21">
+              <a:extLst>
+                <a:ext uri="{FF2B5EF4-FFF2-40B4-BE49-F238E27FC236}">
+                  <a16:creationId xmlns:a16="http://schemas.microsoft.com/office/drawing/2014/main" id="{DE55E256-A61B-F8AF-D8C4-1D4DFE12AEE0}"/>
+                </a:ext>
+              </a:extLst>
+            </p:cNvPr>
+            <p:cNvCxnSpPr>
+              <a:cxnSpLocks/>
+            </p:cNvCxnSpPr>
+            <p:nvPr/>
+          </p:nvCxnSpPr>
+          <p:spPr>
+            <a:xfrm flipH="1">
+              <a:off x="2257825" y="2764971"/>
+              <a:ext cx="536806" cy="0"/>
+            </a:xfrm>
+            <a:prstGeom prst="straightConnector1">
+              <a:avLst/>
+            </a:prstGeom>
+            <a:ln w="28575">
+              <a:solidFill>
+                <a:schemeClr val="accent2">
+                  <a:lumMod val="75000"/>
+                </a:schemeClr>
+              </a:solidFill>
+              <a:tailEnd type="triangle"/>
+            </a:ln>
+          </p:spPr>
+          <p:style>
+            <a:lnRef idx="1">
+              <a:schemeClr val="accent1"/>
+            </a:lnRef>
+            <a:fillRef idx="0">
+              <a:schemeClr val="accent1"/>
+            </a:fillRef>
+            <a:effectRef idx="0">
+              <a:schemeClr val="accent1"/>
+            </a:effectRef>
+            <a:fontRef idx="minor">
+              <a:schemeClr val="tx1"/>
+            </a:fontRef>
+          </p:style>
+        </p:cxnSp>
+        <p:sp>
+          <p:nvSpPr>
+            <p:cNvPr id="24" name="Textfeld 23">
+              <a:extLst>
+                <a:ext uri="{FF2B5EF4-FFF2-40B4-BE49-F238E27FC236}">
+                  <a16:creationId xmlns:a16="http://schemas.microsoft.com/office/drawing/2014/main" id="{D85484B8-2761-D72C-BB8C-4F5D9CC3731F}"/>
+                </a:ext>
+              </a:extLst>
+            </p:cNvPr>
+            <p:cNvSpPr txBox="1"/>
+            <p:nvPr/>
+          </p:nvSpPr>
+          <p:spPr>
+            <a:xfrm>
+              <a:off x="1207879" y="2449145"/>
+              <a:ext cx="1175657" cy="738664"/>
+            </a:xfrm>
+            <a:prstGeom prst="rect">
+              <a:avLst/>
+            </a:prstGeom>
+            <a:noFill/>
+          </p:spPr>
+          <p:txBody>
+            <a:bodyPr wrap="square" rtlCol="0">
+              <a:spAutoFit/>
+            </a:bodyPr>
+            <a:lstStyle/>
+            <a:p>
+              <a:r>
+                <a:rPr lang="de-DE" sz="1400" dirty="0"/>
+                <a:t>Aus Datum Monat extrahiert</a:t>
+              </a:r>
+            </a:p>
+          </p:txBody>
+        </p:sp>
+      </p:grpSp>
+      <p:grpSp>
+        <p:nvGrpSpPr>
+          <p:cNvPr id="25" name="Gruppieren 24">
+            <a:extLst>
+              <a:ext uri="{FF2B5EF4-FFF2-40B4-BE49-F238E27FC236}">
+                <a16:creationId xmlns:a16="http://schemas.microsoft.com/office/drawing/2014/main" id="{E8F1E056-5F6D-76FC-31F1-C3320B615C3E}"/>
+              </a:ext>
+            </a:extLst>
+          </p:cNvPr>
+          <p:cNvGrpSpPr/>
+          <p:nvPr/>
+        </p:nvGrpSpPr>
+        <p:grpSpPr>
+          <a:xfrm>
+            <a:off x="4103811" y="4111851"/>
+            <a:ext cx="1586752" cy="523220"/>
+            <a:chOff x="1207879" y="2449145"/>
+            <a:chExt cx="1586752" cy="523220"/>
+          </a:xfrm>
+        </p:grpSpPr>
+        <p:cxnSp>
+          <p:nvCxnSpPr>
+            <p:cNvPr id="26" name="Gerade Verbindung mit Pfeil 25">
+              <a:extLst>
+                <a:ext uri="{FF2B5EF4-FFF2-40B4-BE49-F238E27FC236}">
+                  <a16:creationId xmlns:a16="http://schemas.microsoft.com/office/drawing/2014/main" id="{13726469-53EF-9C5B-BCC5-C0E280778C06}"/>
+                </a:ext>
+              </a:extLst>
+            </p:cNvPr>
+            <p:cNvCxnSpPr>
+              <a:cxnSpLocks/>
+            </p:cNvCxnSpPr>
+            <p:nvPr/>
+          </p:nvCxnSpPr>
+          <p:spPr>
+            <a:xfrm flipH="1">
+              <a:off x="2257825" y="2764971"/>
+              <a:ext cx="536806" cy="0"/>
+            </a:xfrm>
+            <a:prstGeom prst="straightConnector1">
+              <a:avLst/>
+            </a:prstGeom>
+            <a:ln w="28575">
+              <a:solidFill>
+                <a:schemeClr val="accent2">
+                  <a:lumMod val="75000"/>
+                </a:schemeClr>
+              </a:solidFill>
+              <a:tailEnd type="triangle"/>
+            </a:ln>
+          </p:spPr>
+          <p:style>
+            <a:lnRef idx="1">
+              <a:schemeClr val="accent1"/>
+            </a:lnRef>
+            <a:fillRef idx="0">
+              <a:schemeClr val="accent1"/>
+            </a:fillRef>
+            <a:effectRef idx="0">
+              <a:schemeClr val="accent1"/>
+            </a:effectRef>
+            <a:fontRef idx="minor">
+              <a:schemeClr val="tx1"/>
+            </a:fontRef>
+          </p:style>
+        </p:cxnSp>
+        <p:sp>
+          <p:nvSpPr>
+            <p:cNvPr id="27" name="Textfeld 26">
+              <a:extLst>
+                <a:ext uri="{FF2B5EF4-FFF2-40B4-BE49-F238E27FC236}">
+                  <a16:creationId xmlns:a16="http://schemas.microsoft.com/office/drawing/2014/main" id="{B1E5FEAD-75B4-0CC9-473D-67F57DDF677F}"/>
+                </a:ext>
+              </a:extLst>
+            </p:cNvPr>
+            <p:cNvSpPr txBox="1"/>
+            <p:nvPr/>
+          </p:nvSpPr>
+          <p:spPr>
+            <a:xfrm>
+              <a:off x="1207879" y="2449145"/>
+              <a:ext cx="1175657" cy="523220"/>
+            </a:xfrm>
+            <a:prstGeom prst="rect">
+              <a:avLst/>
+            </a:prstGeom>
+            <a:noFill/>
+          </p:spPr>
+          <p:txBody>
+            <a:bodyPr wrap="square" rtlCol="0">
+              <a:spAutoFit/>
+            </a:bodyPr>
+            <a:lstStyle/>
+            <a:p>
+              <a:r>
+                <a:rPr lang="de-DE" sz="1400" dirty="0"/>
+                <a:t>Feiertag True/</a:t>
+              </a:r>
+              <a:r>
+                <a:rPr lang="de-DE" sz="1400" dirty="0" err="1"/>
+                <a:t>False</a:t>
+              </a:r>
+              <a:endParaRPr lang="de-DE" sz="1400" dirty="0"/>
+            </a:p>
+          </p:txBody>
+        </p:sp>
+      </p:grpSp>
+      <p:grpSp>
+        <p:nvGrpSpPr>
+          <p:cNvPr id="28" name="Gruppieren 27">
+            <a:extLst>
+              <a:ext uri="{FF2B5EF4-FFF2-40B4-BE49-F238E27FC236}">
+                <a16:creationId xmlns:a16="http://schemas.microsoft.com/office/drawing/2014/main" id="{A64B8CD7-C8FB-1709-17A3-DA66FB2310FE}"/>
+              </a:ext>
+            </a:extLst>
+          </p:cNvPr>
+          <p:cNvGrpSpPr/>
+          <p:nvPr/>
+        </p:nvGrpSpPr>
+        <p:grpSpPr>
+          <a:xfrm>
+            <a:off x="6970904" y="2296745"/>
+            <a:ext cx="1586752" cy="523220"/>
+            <a:chOff x="1207879" y="2449145"/>
+            <a:chExt cx="1586752" cy="523220"/>
+          </a:xfrm>
+        </p:grpSpPr>
+        <p:cxnSp>
+          <p:nvCxnSpPr>
+            <p:cNvPr id="29" name="Gerade Verbindung mit Pfeil 28">
+              <a:extLst>
+                <a:ext uri="{FF2B5EF4-FFF2-40B4-BE49-F238E27FC236}">
+                  <a16:creationId xmlns:a16="http://schemas.microsoft.com/office/drawing/2014/main" id="{F3722854-E34E-5BD3-96A3-28245C92220D}"/>
+                </a:ext>
+              </a:extLst>
+            </p:cNvPr>
+            <p:cNvCxnSpPr>
+              <a:cxnSpLocks/>
+            </p:cNvCxnSpPr>
+            <p:nvPr/>
+          </p:nvCxnSpPr>
+          <p:spPr>
+            <a:xfrm flipH="1">
+              <a:off x="2257825" y="2764971"/>
+              <a:ext cx="536806" cy="0"/>
+            </a:xfrm>
+            <a:prstGeom prst="straightConnector1">
+              <a:avLst/>
+            </a:prstGeom>
+            <a:ln w="28575">
+              <a:solidFill>
+                <a:schemeClr val="accent2">
+                  <a:lumMod val="75000"/>
+                </a:schemeClr>
+              </a:solidFill>
+              <a:tailEnd type="triangle"/>
+            </a:ln>
+          </p:spPr>
+          <p:style>
+            <a:lnRef idx="1">
+              <a:schemeClr val="accent1"/>
+            </a:lnRef>
+            <a:fillRef idx="0">
+              <a:schemeClr val="accent1"/>
+            </a:fillRef>
+            <a:effectRef idx="0">
+              <a:schemeClr val="accent1"/>
+            </a:effectRef>
+            <a:fontRef idx="minor">
+              <a:schemeClr val="tx1"/>
+            </a:fontRef>
+          </p:style>
+        </p:cxnSp>
+        <p:sp>
+          <p:nvSpPr>
+            <p:cNvPr id="30" name="Textfeld 29">
+              <a:extLst>
+                <a:ext uri="{FF2B5EF4-FFF2-40B4-BE49-F238E27FC236}">
+                  <a16:creationId xmlns:a16="http://schemas.microsoft.com/office/drawing/2014/main" id="{82E24DE0-EBE5-3980-839E-44DEE02CF879}"/>
+                </a:ext>
+              </a:extLst>
+            </p:cNvPr>
+            <p:cNvSpPr txBox="1"/>
+            <p:nvPr/>
+          </p:nvSpPr>
+          <p:spPr>
+            <a:xfrm>
+              <a:off x="1207879" y="2449145"/>
+              <a:ext cx="1175657" cy="523220"/>
+            </a:xfrm>
+            <a:prstGeom prst="rect">
+              <a:avLst/>
+            </a:prstGeom>
+            <a:noFill/>
+          </p:spPr>
+          <p:txBody>
+            <a:bodyPr wrap="square" rtlCol="0">
+              <a:spAutoFit/>
+            </a:bodyPr>
+            <a:lstStyle/>
+            <a:p>
+              <a:r>
+                <a:rPr lang="de-DE" sz="1400" dirty="0"/>
+                <a:t>Ferien True/</a:t>
+              </a:r>
+              <a:r>
+                <a:rPr lang="de-DE" sz="1400" dirty="0" err="1"/>
+                <a:t>False</a:t>
+              </a:r>
+              <a:endParaRPr lang="de-DE" sz="1400" dirty="0"/>
+            </a:p>
+          </p:txBody>
+        </p:sp>
+      </p:grpSp>
     </p:spTree>
     <p:extLst>
       <p:ext uri="{BB962C8B-B14F-4D97-AF65-F5344CB8AC3E}">
@@ -5780,6 +6347,636 @@
 </file>
 
 <file path=ppt/slides/slide3.xml><?xml version="1.0" encoding="utf-8"?>
+<p:sld xmlns:a="http://schemas.openxmlformats.org/drawingml/2006/main" xmlns:r="http://schemas.openxmlformats.org/officeDocument/2006/relationships" xmlns:p="http://schemas.openxmlformats.org/presentationml/2006/main">
+  <p:cSld>
+    <p:spTree>
+      <p:nvGrpSpPr>
+        <p:cNvPr id="1" name=""/>
+        <p:cNvGrpSpPr/>
+        <p:nvPr/>
+      </p:nvGrpSpPr>
+      <p:grpSpPr>
+        <a:xfrm>
+          <a:off x="0" y="0"/>
+          <a:ext cx="0" cy="0"/>
+          <a:chOff x="0" y="0"/>
+          <a:chExt cx="0" cy="0"/>
+        </a:xfrm>
+      </p:grpSpPr>
+      <p:sp>
+        <p:nvSpPr>
+          <p:cNvPr id="2" name="Titel 1">
+            <a:extLst>
+              <a:ext uri="{FF2B5EF4-FFF2-40B4-BE49-F238E27FC236}">
+                <a16:creationId xmlns:a16="http://schemas.microsoft.com/office/drawing/2014/main" id="{72F9FD63-6E07-872A-3A6C-AEC1587EB1A9}"/>
+              </a:ext>
+            </a:extLst>
+          </p:cNvPr>
+          <p:cNvSpPr>
+            <a:spLocks noGrp="1"/>
+          </p:cNvSpPr>
+          <p:nvPr>
+            <p:ph type="title"/>
+          </p:nvPr>
+        </p:nvSpPr>
+        <p:spPr/>
+        <p:txBody>
+          <a:bodyPr>
+            <a:normAutofit/>
+          </a:bodyPr>
+          <a:lstStyle/>
+          <a:p>
+            <a:r>
+              <a:rPr lang="de-DE" dirty="0"/>
+              <a:t>Vorstellung des Datensatzes inkl. Selbst erstellter variablen 1/2</a:t>
+            </a:r>
+          </a:p>
+        </p:txBody>
+      </p:sp>
+      <p:cxnSp>
+        <p:nvCxnSpPr>
+          <p:cNvPr id="4" name="Gerade Verbindung mit Pfeil 3">
+            <a:extLst>
+              <a:ext uri="{FF2B5EF4-FFF2-40B4-BE49-F238E27FC236}">
+                <a16:creationId xmlns:a16="http://schemas.microsoft.com/office/drawing/2014/main" id="{92D8EF7E-1EDB-DD9D-07F4-92CA0063533B}"/>
+              </a:ext>
+            </a:extLst>
+          </p:cNvPr>
+          <p:cNvCxnSpPr>
+            <a:cxnSpLocks/>
+          </p:cNvCxnSpPr>
+          <p:nvPr/>
+        </p:nvCxnSpPr>
+        <p:spPr>
+          <a:xfrm flipH="1">
+            <a:off x="2105425" y="2612571"/>
+            <a:ext cx="536806" cy="0"/>
+          </a:xfrm>
+          <a:prstGeom prst="straightConnector1">
+            <a:avLst/>
+          </a:prstGeom>
+          <a:ln w="28575">
+            <a:solidFill>
+              <a:schemeClr val="accent2">
+                <a:lumMod val="75000"/>
+              </a:schemeClr>
+            </a:solidFill>
+            <a:tailEnd type="triangle"/>
+          </a:ln>
+        </p:spPr>
+        <p:style>
+          <a:lnRef idx="1">
+            <a:schemeClr val="accent1"/>
+          </a:lnRef>
+          <a:fillRef idx="0">
+            <a:schemeClr val="accent1"/>
+          </a:fillRef>
+          <a:effectRef idx="0">
+            <a:schemeClr val="accent1"/>
+          </a:effectRef>
+          <a:fontRef idx="minor">
+            <a:schemeClr val="tx1"/>
+          </a:fontRef>
+        </p:style>
+      </p:cxnSp>
+      <p:sp>
+        <p:nvSpPr>
+          <p:cNvPr id="12" name="Textfeld 11">
+            <a:extLst>
+              <a:ext uri="{FF2B5EF4-FFF2-40B4-BE49-F238E27FC236}">
+                <a16:creationId xmlns:a16="http://schemas.microsoft.com/office/drawing/2014/main" id="{AA0593A7-FCEC-D2D0-3219-76F2375DD42C}"/>
+              </a:ext>
+            </a:extLst>
+          </p:cNvPr>
+          <p:cNvSpPr txBox="1"/>
+          <p:nvPr/>
+        </p:nvSpPr>
+        <p:spPr>
+          <a:xfrm>
+            <a:off x="670231" y="2378950"/>
+            <a:ext cx="1593361" cy="954107"/>
+          </a:xfrm>
+          <a:prstGeom prst="rect">
+            <a:avLst/>
+          </a:prstGeom>
+          <a:noFill/>
+        </p:spPr>
+        <p:txBody>
+          <a:bodyPr wrap="square" rtlCol="0">
+            <a:spAutoFit/>
+          </a:bodyPr>
+          <a:lstStyle/>
+          <a:p>
+            <a:r>
+              <a:rPr lang="de-DE" sz="1400" dirty="0"/>
+              <a:t>Frühling:03-05</a:t>
+            </a:r>
+          </a:p>
+          <a:p>
+            <a:r>
+              <a:rPr lang="de-DE" sz="1400" dirty="0"/>
+              <a:t>Sommer:06-08</a:t>
+            </a:r>
+          </a:p>
+          <a:p>
+            <a:r>
+              <a:rPr lang="de-DE" sz="1400" dirty="0"/>
+              <a:t>Herbst: 09-11</a:t>
+            </a:r>
+          </a:p>
+          <a:p>
+            <a:r>
+              <a:rPr lang="de-DE" sz="1400" dirty="0"/>
+              <a:t>Winter: 12-02</a:t>
+            </a:r>
+          </a:p>
+        </p:txBody>
+      </p:sp>
+      <p:grpSp>
+        <p:nvGrpSpPr>
+          <p:cNvPr id="18" name="Gruppieren 17">
+            <a:extLst>
+              <a:ext uri="{FF2B5EF4-FFF2-40B4-BE49-F238E27FC236}">
+                <a16:creationId xmlns:a16="http://schemas.microsoft.com/office/drawing/2014/main" id="{08E141A5-EA89-836E-94C8-01260FF51B51}"/>
+              </a:ext>
+            </a:extLst>
+          </p:cNvPr>
+          <p:cNvGrpSpPr/>
+          <p:nvPr/>
+        </p:nvGrpSpPr>
+        <p:grpSpPr>
+          <a:xfrm>
+            <a:off x="637775" y="4196877"/>
+            <a:ext cx="2004456" cy="738664"/>
+            <a:chOff x="1207879" y="2449145"/>
+            <a:chExt cx="1586752" cy="738664"/>
+          </a:xfrm>
+        </p:grpSpPr>
+        <p:cxnSp>
+          <p:nvCxnSpPr>
+            <p:cNvPr id="14" name="Gerade Verbindung mit Pfeil 13">
+              <a:extLst>
+                <a:ext uri="{FF2B5EF4-FFF2-40B4-BE49-F238E27FC236}">
+                  <a16:creationId xmlns:a16="http://schemas.microsoft.com/office/drawing/2014/main" id="{2040D6D4-E392-0FB1-0C24-4D1F5EB3827F}"/>
+                </a:ext>
+              </a:extLst>
+            </p:cNvPr>
+            <p:cNvCxnSpPr>
+              <a:cxnSpLocks/>
+            </p:cNvCxnSpPr>
+            <p:nvPr/>
+          </p:nvCxnSpPr>
+          <p:spPr>
+            <a:xfrm flipH="1">
+              <a:off x="2257825" y="2764971"/>
+              <a:ext cx="536806" cy="0"/>
+            </a:xfrm>
+            <a:prstGeom prst="straightConnector1">
+              <a:avLst/>
+            </a:prstGeom>
+            <a:ln w="28575">
+              <a:solidFill>
+                <a:schemeClr val="accent2">
+                  <a:lumMod val="75000"/>
+                </a:schemeClr>
+              </a:solidFill>
+              <a:tailEnd type="triangle"/>
+            </a:ln>
+          </p:spPr>
+          <p:style>
+            <a:lnRef idx="1">
+              <a:schemeClr val="accent1"/>
+            </a:lnRef>
+            <a:fillRef idx="0">
+              <a:schemeClr val="accent1"/>
+            </a:fillRef>
+            <a:effectRef idx="0">
+              <a:schemeClr val="accent1"/>
+            </a:effectRef>
+            <a:fontRef idx="minor">
+              <a:schemeClr val="tx1"/>
+            </a:fontRef>
+          </p:style>
+        </p:cxnSp>
+        <p:sp>
+          <p:nvSpPr>
+            <p:cNvPr id="16" name="Textfeld 15">
+              <a:extLst>
+                <a:ext uri="{FF2B5EF4-FFF2-40B4-BE49-F238E27FC236}">
+                  <a16:creationId xmlns:a16="http://schemas.microsoft.com/office/drawing/2014/main" id="{5EB8FCF9-A25A-1C6E-FA54-DC4F0892D828}"/>
+                </a:ext>
+              </a:extLst>
+            </p:cNvPr>
+            <p:cNvSpPr txBox="1"/>
+            <p:nvPr/>
+          </p:nvSpPr>
+          <p:spPr>
+            <a:xfrm>
+              <a:off x="1207879" y="2449145"/>
+              <a:ext cx="1175657" cy="738664"/>
+            </a:xfrm>
+            <a:prstGeom prst="rect">
+              <a:avLst/>
+            </a:prstGeom>
+            <a:noFill/>
+          </p:spPr>
+          <p:txBody>
+            <a:bodyPr wrap="square" rtlCol="0">
+              <a:spAutoFit/>
+            </a:bodyPr>
+            <a:lstStyle/>
+            <a:p>
+              <a:r>
+                <a:rPr lang="de-DE" sz="1400" dirty="0"/>
+                <a:t>Brise: 0-10.6</a:t>
+              </a:r>
+            </a:p>
+            <a:p>
+              <a:r>
+                <a:rPr lang="de-DE" sz="1400" dirty="0"/>
+                <a:t>Wind: 10.6-20.6</a:t>
+              </a:r>
+            </a:p>
+            <a:p>
+              <a:r>
+                <a:rPr lang="de-DE" sz="1400" dirty="0"/>
+                <a:t>Sturm: 20.7-37</a:t>
+              </a:r>
+            </a:p>
+          </p:txBody>
+        </p:sp>
+      </p:grpSp>
+      <p:grpSp>
+        <p:nvGrpSpPr>
+          <p:cNvPr id="20" name="Gruppieren 19">
+            <a:extLst>
+              <a:ext uri="{FF2B5EF4-FFF2-40B4-BE49-F238E27FC236}">
+                <a16:creationId xmlns:a16="http://schemas.microsoft.com/office/drawing/2014/main" id="{E5202BD3-6BE3-D424-86E6-31A552A9C317}"/>
+              </a:ext>
+            </a:extLst>
+          </p:cNvPr>
+          <p:cNvGrpSpPr/>
+          <p:nvPr/>
+        </p:nvGrpSpPr>
+        <p:grpSpPr>
+          <a:xfrm>
+            <a:off x="4418320" y="2296745"/>
+            <a:ext cx="2602114" cy="523220"/>
+            <a:chOff x="1007755" y="2449145"/>
+            <a:chExt cx="1786876" cy="523220"/>
+          </a:xfrm>
+        </p:grpSpPr>
+        <p:cxnSp>
+          <p:nvCxnSpPr>
+            <p:cNvPr id="22" name="Gerade Verbindung mit Pfeil 21">
+              <a:extLst>
+                <a:ext uri="{FF2B5EF4-FFF2-40B4-BE49-F238E27FC236}">
+                  <a16:creationId xmlns:a16="http://schemas.microsoft.com/office/drawing/2014/main" id="{DE55E256-A61B-F8AF-D8C4-1D4DFE12AEE0}"/>
+                </a:ext>
+              </a:extLst>
+            </p:cNvPr>
+            <p:cNvCxnSpPr>
+              <a:cxnSpLocks/>
+            </p:cNvCxnSpPr>
+            <p:nvPr/>
+          </p:nvCxnSpPr>
+          <p:spPr>
+            <a:xfrm flipH="1">
+              <a:off x="2257825" y="2764971"/>
+              <a:ext cx="536806" cy="0"/>
+            </a:xfrm>
+            <a:prstGeom prst="straightConnector1">
+              <a:avLst/>
+            </a:prstGeom>
+            <a:ln w="28575">
+              <a:solidFill>
+                <a:schemeClr val="accent2">
+                  <a:lumMod val="75000"/>
+                </a:schemeClr>
+              </a:solidFill>
+              <a:tailEnd type="triangle"/>
+            </a:ln>
+          </p:spPr>
+          <p:style>
+            <a:lnRef idx="1">
+              <a:schemeClr val="accent1"/>
+            </a:lnRef>
+            <a:fillRef idx="0">
+              <a:schemeClr val="accent1"/>
+            </a:fillRef>
+            <a:effectRef idx="0">
+              <a:schemeClr val="accent1"/>
+            </a:effectRef>
+            <a:fontRef idx="minor">
+              <a:schemeClr val="tx1"/>
+            </a:fontRef>
+          </p:style>
+        </p:cxnSp>
+        <p:sp>
+          <p:nvSpPr>
+            <p:cNvPr id="24" name="Textfeld 23">
+              <a:extLst>
+                <a:ext uri="{FF2B5EF4-FFF2-40B4-BE49-F238E27FC236}">
+                  <a16:creationId xmlns:a16="http://schemas.microsoft.com/office/drawing/2014/main" id="{D85484B8-2761-D72C-BB8C-4F5D9CC3731F}"/>
+                </a:ext>
+              </a:extLst>
+            </p:cNvPr>
+            <p:cNvSpPr txBox="1"/>
+            <p:nvPr/>
+          </p:nvSpPr>
+          <p:spPr>
+            <a:xfrm>
+              <a:off x="1007755" y="2449145"/>
+              <a:ext cx="1375782" cy="523220"/>
+            </a:xfrm>
+            <a:prstGeom prst="rect">
+              <a:avLst/>
+            </a:prstGeom>
+            <a:noFill/>
+          </p:spPr>
+          <p:txBody>
+            <a:bodyPr wrap="square" rtlCol="0">
+              <a:spAutoFit/>
+            </a:bodyPr>
+            <a:lstStyle/>
+            <a:p>
+              <a:r>
+                <a:rPr lang="de-DE" sz="1400" dirty="0"/>
+                <a:t>Trocken: 0-13</a:t>
+              </a:r>
+            </a:p>
+            <a:p>
+              <a:r>
+                <a:rPr lang="de-DE" sz="1400" dirty="0" err="1"/>
+                <a:t>RegenGewitter</a:t>
+              </a:r>
+              <a:r>
+                <a:rPr lang="de-DE" sz="1400" dirty="0"/>
+                <a:t>: 14-99</a:t>
+              </a:r>
+            </a:p>
+          </p:txBody>
+        </p:sp>
+      </p:grpSp>
+      <p:grpSp>
+        <p:nvGrpSpPr>
+          <p:cNvPr id="25" name="Gruppieren 24">
+            <a:extLst>
+              <a:ext uri="{FF2B5EF4-FFF2-40B4-BE49-F238E27FC236}">
+                <a16:creationId xmlns:a16="http://schemas.microsoft.com/office/drawing/2014/main" id="{E8F1E056-5F6D-76FC-31F1-C3320B615C3E}"/>
+              </a:ext>
+            </a:extLst>
+          </p:cNvPr>
+          <p:cNvGrpSpPr/>
+          <p:nvPr/>
+        </p:nvGrpSpPr>
+        <p:grpSpPr>
+          <a:xfrm>
+            <a:off x="4817889" y="4111851"/>
+            <a:ext cx="2155902" cy="1600438"/>
+            <a:chOff x="1207879" y="2449145"/>
+            <a:chExt cx="1586752" cy="1600438"/>
+          </a:xfrm>
+        </p:grpSpPr>
+        <p:cxnSp>
+          <p:nvCxnSpPr>
+            <p:cNvPr id="26" name="Gerade Verbindung mit Pfeil 25">
+              <a:extLst>
+                <a:ext uri="{FF2B5EF4-FFF2-40B4-BE49-F238E27FC236}">
+                  <a16:creationId xmlns:a16="http://schemas.microsoft.com/office/drawing/2014/main" id="{13726469-53EF-9C5B-BCC5-C0E280778C06}"/>
+                </a:ext>
+              </a:extLst>
+            </p:cNvPr>
+            <p:cNvCxnSpPr>
+              <a:cxnSpLocks/>
+            </p:cNvCxnSpPr>
+            <p:nvPr/>
+          </p:nvCxnSpPr>
+          <p:spPr>
+            <a:xfrm flipH="1">
+              <a:off x="2257825" y="2764971"/>
+              <a:ext cx="536806" cy="0"/>
+            </a:xfrm>
+            <a:prstGeom prst="straightConnector1">
+              <a:avLst/>
+            </a:prstGeom>
+            <a:ln w="28575">
+              <a:solidFill>
+                <a:schemeClr val="accent2">
+                  <a:lumMod val="75000"/>
+                </a:schemeClr>
+              </a:solidFill>
+              <a:tailEnd type="triangle"/>
+            </a:ln>
+          </p:spPr>
+          <p:style>
+            <a:lnRef idx="1">
+              <a:schemeClr val="accent1"/>
+            </a:lnRef>
+            <a:fillRef idx="0">
+              <a:schemeClr val="accent1"/>
+            </a:fillRef>
+            <a:effectRef idx="0">
+              <a:schemeClr val="accent1"/>
+            </a:effectRef>
+            <a:fontRef idx="minor">
+              <a:schemeClr val="tx1"/>
+            </a:fontRef>
+          </p:style>
+        </p:cxnSp>
+        <p:sp>
+          <p:nvSpPr>
+            <p:cNvPr id="27" name="Textfeld 26">
+              <a:extLst>
+                <a:ext uri="{FF2B5EF4-FFF2-40B4-BE49-F238E27FC236}">
+                  <a16:creationId xmlns:a16="http://schemas.microsoft.com/office/drawing/2014/main" id="{B1E5FEAD-75B4-0CC9-473D-67F57DDF677F}"/>
+                </a:ext>
+              </a:extLst>
+            </p:cNvPr>
+            <p:cNvSpPr txBox="1"/>
+            <p:nvPr/>
+          </p:nvSpPr>
+          <p:spPr>
+            <a:xfrm>
+              <a:off x="1207879" y="2449145"/>
+              <a:ext cx="1175657" cy="1600438"/>
+            </a:xfrm>
+            <a:prstGeom prst="rect">
+              <a:avLst/>
+            </a:prstGeom>
+            <a:noFill/>
+          </p:spPr>
+          <p:txBody>
+            <a:bodyPr wrap="square" rtlCol="0">
+              <a:spAutoFit/>
+            </a:bodyPr>
+            <a:lstStyle/>
+            <a:p>
+              <a:r>
+                <a:rPr lang="de-DE" sz="1400" dirty="0"/>
+                <a:t>Eisig: -20-0</a:t>
+              </a:r>
+            </a:p>
+            <a:p>
+              <a:r>
+                <a:rPr lang="de-DE" sz="1400" dirty="0"/>
+                <a:t>Kalt: 1-10</a:t>
+              </a:r>
+            </a:p>
+            <a:p>
+              <a:r>
+                <a:rPr lang="de-DE" sz="1400" dirty="0"/>
+                <a:t>Moderat: 11-20</a:t>
+              </a:r>
+            </a:p>
+            <a:p>
+              <a:r>
+                <a:rPr lang="de-DE" sz="1400" dirty="0"/>
+                <a:t>Sommerlich: 21-30</a:t>
+              </a:r>
+            </a:p>
+            <a:p>
+              <a:r>
+                <a:rPr lang="de-DE" sz="1400" dirty="0"/>
+                <a:t>Heiß: &gt;31</a:t>
+              </a:r>
+            </a:p>
+          </p:txBody>
+        </p:sp>
+      </p:grpSp>
+      <p:pic>
+        <p:nvPicPr>
+          <p:cNvPr id="3" name="Grafik 2">
+            <a:extLst>
+              <a:ext uri="{FF2B5EF4-FFF2-40B4-BE49-F238E27FC236}">
+                <a16:creationId xmlns:a16="http://schemas.microsoft.com/office/drawing/2014/main" id="{9A2A0647-356D-CFC1-185A-1F5C8E627084}"/>
+              </a:ext>
+            </a:extLst>
+          </p:cNvPr>
+          <p:cNvPicPr>
+            <a:picLocks noChangeAspect="1"/>
+          </p:cNvPicPr>
+          <p:nvPr/>
+        </p:nvPicPr>
+        <p:blipFill>
+          <a:blip r:embed="rId2"/>
+          <a:stretch>
+            <a:fillRect/>
+          </a:stretch>
+        </p:blipFill>
+        <p:spPr>
+          <a:xfrm>
+            <a:off x="2725705" y="2449070"/>
+            <a:ext cx="768389" cy="1320868"/>
+          </a:xfrm>
+          <a:prstGeom prst="rect">
+            <a:avLst/>
+          </a:prstGeom>
+        </p:spPr>
+      </p:pic>
+      <p:pic>
+        <p:nvPicPr>
+          <p:cNvPr id="7" name="Grafik 6">
+            <a:extLst>
+              <a:ext uri="{FF2B5EF4-FFF2-40B4-BE49-F238E27FC236}">
+                <a16:creationId xmlns:a16="http://schemas.microsoft.com/office/drawing/2014/main" id="{A5D28005-55EF-897B-F8AA-98911B29FC35}"/>
+              </a:ext>
+            </a:extLst>
+          </p:cNvPr>
+          <p:cNvPicPr>
+            <a:picLocks noChangeAspect="1"/>
+          </p:cNvPicPr>
+          <p:nvPr/>
+        </p:nvPicPr>
+        <p:blipFill rotWithShape="1">
+          <a:blip r:embed="rId3"/>
+          <a:srcRect r="10379"/>
+          <a:stretch/>
+        </p:blipFill>
+        <p:spPr>
+          <a:xfrm>
+            <a:off x="2695174" y="4286675"/>
+            <a:ext cx="1217919" cy="1555830"/>
+          </a:xfrm>
+          <a:prstGeom prst="rect">
+            <a:avLst/>
+          </a:prstGeom>
+        </p:spPr>
+      </p:pic>
+      <p:pic>
+        <p:nvPicPr>
+          <p:cNvPr id="8" name="Grafik 7">
+            <a:extLst>
+              <a:ext uri="{FF2B5EF4-FFF2-40B4-BE49-F238E27FC236}">
+                <a16:creationId xmlns:a16="http://schemas.microsoft.com/office/drawing/2014/main" id="{6D9A833B-328F-C4B3-525F-FD27AF3A82BC}"/>
+              </a:ext>
+            </a:extLst>
+          </p:cNvPr>
+          <p:cNvPicPr>
+            <a:picLocks noChangeAspect="1"/>
+          </p:cNvPicPr>
+          <p:nvPr/>
+        </p:nvPicPr>
+        <p:blipFill>
+          <a:blip r:embed="rId4"/>
+          <a:stretch>
+            <a:fillRect/>
+          </a:stretch>
+        </p:blipFill>
+        <p:spPr>
+          <a:xfrm>
+            <a:off x="7130532" y="2449070"/>
+            <a:ext cx="939848" cy="1409772"/>
+          </a:xfrm>
+          <a:prstGeom prst="rect">
+            <a:avLst/>
+          </a:prstGeom>
+        </p:spPr>
+      </p:pic>
+      <p:pic>
+        <p:nvPicPr>
+          <p:cNvPr id="10" name="Grafik 9">
+            <a:extLst>
+              <a:ext uri="{FF2B5EF4-FFF2-40B4-BE49-F238E27FC236}">
+                <a16:creationId xmlns:a16="http://schemas.microsoft.com/office/drawing/2014/main" id="{E102A613-DB29-4A69-C9A6-73605F5D786F}"/>
+              </a:ext>
+            </a:extLst>
+          </p:cNvPr>
+          <p:cNvPicPr>
+            <a:picLocks noChangeAspect="1"/>
+          </p:cNvPicPr>
+          <p:nvPr/>
+        </p:nvPicPr>
+        <p:blipFill>
+          <a:blip r:embed="rId5"/>
+          <a:stretch>
+            <a:fillRect/>
+          </a:stretch>
+        </p:blipFill>
+        <p:spPr>
+          <a:xfrm>
+            <a:off x="7068996" y="4286675"/>
+            <a:ext cx="1212912" cy="1606633"/>
+          </a:xfrm>
+          <a:prstGeom prst="rect">
+            <a:avLst/>
+          </a:prstGeom>
+        </p:spPr>
+      </p:pic>
+    </p:spTree>
+    <p:extLst>
+      <p:ext uri="{BB962C8B-B14F-4D97-AF65-F5344CB8AC3E}">
+        <p14:creationId xmlns:p14="http://schemas.microsoft.com/office/powerpoint/2010/main" val="1940689801"/>
+      </p:ext>
+    </p:extLst>
+  </p:cSld>
+  <p:clrMapOvr>
+    <a:masterClrMapping/>
+  </p:clrMapOvr>
+</p:sld>
+</file>
+
+<file path=ppt/slides/slide4.xml><?xml version="1.0" encoding="utf-8"?>
 <p:sld xmlns:a="http://schemas.openxmlformats.org/drawingml/2006/main" xmlns:r="http://schemas.openxmlformats.org/officeDocument/2006/relationships" xmlns:p="http://schemas.openxmlformats.org/presentationml/2006/main">
   <p:cSld>
     <p:spTree>
@@ -5910,7 +7107,7 @@
 </p:sld>
 </file>
 
-<file path=ppt/slides/slide4.xml><?xml version="1.0" encoding="utf-8"?>
+<file path=ppt/slides/slide5.xml><?xml version="1.0" encoding="utf-8"?>
 <p:sld xmlns:a="http://schemas.openxmlformats.org/drawingml/2006/main" xmlns:r="http://schemas.openxmlformats.org/officeDocument/2006/relationships" xmlns:p="http://schemas.openxmlformats.org/presentationml/2006/main">
   <p:cSld>
     <p:spTree>
@@ -6003,7 +7200,7 @@
 </p:sld>
 </file>
 
-<file path=ppt/slides/slide5.xml><?xml version="1.0" encoding="utf-8"?>
+<file path=ppt/slides/slide6.xml><?xml version="1.0" encoding="utf-8"?>
 <p:sld xmlns:a="http://schemas.openxmlformats.org/drawingml/2006/main" xmlns:r="http://schemas.openxmlformats.org/officeDocument/2006/relationships" xmlns:p="http://schemas.openxmlformats.org/presentationml/2006/main">
   <p:cSld>
     <p:spTree>
@@ -6133,7 +7330,7 @@
 </p:sld>
 </file>
 
-<file path=ppt/slides/slide6.xml><?xml version="1.0" encoding="utf-8"?>
+<file path=ppt/slides/slide7.xml><?xml version="1.0" encoding="utf-8"?>
 <p:sld xmlns:a="http://schemas.openxmlformats.org/drawingml/2006/main" xmlns:r="http://schemas.openxmlformats.org/officeDocument/2006/relationships" xmlns:p="http://schemas.openxmlformats.org/presentationml/2006/main">
   <p:cSld>
     <p:spTree>
@@ -6259,104 +7456,6 @@
 </p:sld>
 </file>
 
-<file path=ppt/slides/slide7.xml><?xml version="1.0" encoding="utf-8"?>
-<p:sld xmlns:a="http://schemas.openxmlformats.org/drawingml/2006/main" xmlns:r="http://schemas.openxmlformats.org/officeDocument/2006/relationships" xmlns:p="http://schemas.openxmlformats.org/presentationml/2006/main">
-  <p:cSld>
-    <p:spTree>
-      <p:nvGrpSpPr>
-        <p:cNvPr id="1" name=""/>
-        <p:cNvGrpSpPr/>
-        <p:nvPr/>
-      </p:nvGrpSpPr>
-      <p:grpSpPr>
-        <a:xfrm>
-          <a:off x="0" y="0"/>
-          <a:ext cx="0" cy="0"/>
-          <a:chOff x="0" y="0"/>
-          <a:chExt cx="0" cy="0"/>
-        </a:xfrm>
-      </p:grpSpPr>
-      <p:sp>
-        <p:nvSpPr>
-          <p:cNvPr id="2" name="Titel 1">
-            <a:extLst>
-              <a:ext uri="{FF2B5EF4-FFF2-40B4-BE49-F238E27FC236}">
-                <a16:creationId xmlns:a16="http://schemas.microsoft.com/office/drawing/2014/main" id="{6B5C63FE-F101-02F2-D1A3-343FC9CFD71F}"/>
-              </a:ext>
-            </a:extLst>
-          </p:cNvPr>
-          <p:cNvSpPr>
-            <a:spLocks noGrp="1"/>
-          </p:cNvSpPr>
-          <p:nvPr>
-            <p:ph type="title"/>
-          </p:nvPr>
-        </p:nvSpPr>
-        <p:spPr/>
-        <p:txBody>
-          <a:bodyPr/>
-          <a:lstStyle/>
-          <a:p>
-            <a:r>
-              <a:rPr lang="de-DE" dirty="0"/>
-              <a:t>Optimierung eines linearen Modells („Baseline Modell“):</a:t>
-            </a:r>
-          </a:p>
-        </p:txBody>
-      </p:sp>
-      <p:sp>
-        <p:nvSpPr>
-          <p:cNvPr id="3" name="Inhaltsplatzhalter 2">
-            <a:extLst>
-              <a:ext uri="{FF2B5EF4-FFF2-40B4-BE49-F238E27FC236}">
-                <a16:creationId xmlns:a16="http://schemas.microsoft.com/office/drawing/2014/main" id="{776E0D2F-2868-ECD7-47D6-C9E54A0351E1}"/>
-              </a:ext>
-            </a:extLst>
-          </p:cNvPr>
-          <p:cNvSpPr>
-            <a:spLocks noGrp="1"/>
-          </p:cNvSpPr>
-          <p:nvPr>
-            <p:ph idx="1"/>
-          </p:nvPr>
-        </p:nvSpPr>
-        <p:spPr/>
-        <p:txBody>
-          <a:bodyPr/>
-          <a:lstStyle/>
-          <a:p>
-            <a:pPr marL="514350" indent="-514350">
-              <a:buFont typeface="+mj-lt"/>
-              <a:buAutoNum type="alphaLcParenR" startAt="2"/>
-            </a:pPr>
-            <a:r>
-              <a:rPr lang="de-DE" dirty="0"/>
-              <a:t> </a:t>
-            </a:r>
-            <a:r>
-              <a:rPr lang="de-DE" dirty="0" err="1"/>
-              <a:t>Adjusted</a:t>
-            </a:r>
-            <a:r>
-              <a:rPr lang="de-DE" dirty="0"/>
-              <a:t> r²:</a:t>
-            </a:r>
-          </a:p>
-        </p:txBody>
-      </p:sp>
-    </p:spTree>
-    <p:extLst>
-      <p:ext uri="{BB962C8B-B14F-4D97-AF65-F5344CB8AC3E}">
-        <p14:creationId xmlns:p14="http://schemas.microsoft.com/office/powerpoint/2010/main" val="2912599849"/>
-      </p:ext>
-    </p:extLst>
-  </p:cSld>
-  <p:clrMapOvr>
-    <a:masterClrMapping/>
-  </p:clrMapOvr>
-</p:sld>
-</file>
-
 <file path=ppt/slides/slide8.xml><?xml version="1.0" encoding="utf-8"?>
 <p:sld xmlns:a="http://schemas.openxmlformats.org/drawingml/2006/main" xmlns:r="http://schemas.openxmlformats.org/officeDocument/2006/relationships" xmlns:p="http://schemas.openxmlformats.org/presentationml/2006/main">
   <p:cSld>
@@ -6425,19 +7524,393 @@
           <a:p>
             <a:pPr marL="514350" indent="-514350">
               <a:buFont typeface="+mj-lt"/>
-              <a:buAutoNum type="alphaLcParenR" startAt="3"/>
+              <a:buAutoNum type="alphaLcParenR" startAt="2"/>
             </a:pPr>
             <a:r>
               <a:rPr lang="de-DE" dirty="0"/>
-              <a:t> MAPE für den Zeitraum vom 1.8.2018 bis 30.7.2019:</a:t>
-            </a:r>
-          </a:p>
-        </p:txBody>
-      </p:sp>
+              <a:t> </a:t>
+            </a:r>
+            <a:r>
+              <a:rPr lang="de-DE" dirty="0" err="1"/>
+              <a:t>Adjusted</a:t>
+            </a:r>
+            <a:r>
+              <a:rPr lang="de-DE" dirty="0"/>
+              <a:t> r²:</a:t>
+            </a:r>
+          </a:p>
+        </p:txBody>
+      </p:sp>
+      <p:graphicFrame>
+        <p:nvGraphicFramePr>
+          <p:cNvPr id="4" name="Tabelle 3">
+            <a:extLst>
+              <a:ext uri="{FF2B5EF4-FFF2-40B4-BE49-F238E27FC236}">
+                <a16:creationId xmlns:a16="http://schemas.microsoft.com/office/drawing/2014/main" id="{B5E0F1F2-BA0F-8776-6586-258B7198B76F}"/>
+              </a:ext>
+            </a:extLst>
+          </p:cNvPr>
+          <p:cNvGraphicFramePr>
+            <a:graphicFrameLocks noGrp="1"/>
+          </p:cNvGraphicFramePr>
+          <p:nvPr>
+            <p:extLst>
+              <p:ext uri="{D42A27DB-BD31-4B8C-83A1-F6EECF244321}">
+                <p14:modId xmlns:p14="http://schemas.microsoft.com/office/powerpoint/2010/main" val="882769948"/>
+              </p:ext>
+            </p:extLst>
+          </p:nvPr>
+        </p:nvGraphicFramePr>
+        <p:xfrm>
+          <a:off x="860611" y="3473920"/>
+          <a:ext cx="10737112" cy="2291080"/>
+        </p:xfrm>
+        <a:graphic>
+          <a:graphicData uri="http://schemas.openxmlformats.org/drawingml/2006/table">
+            <a:tbl>
+              <a:tblPr firstRow="1" bandRow="1">
+                <a:tableStyleId>{5C22544A-7EE6-4342-B048-85BDC9FD1C3A}</a:tableStyleId>
+              </a:tblPr>
+              <a:tblGrid>
+                <a:gridCol w="1357728">
+                  <a:extLst>
+                    <a:ext uri="{9D8B030D-6E8A-4147-A177-3AD203B41FA5}">
+                      <a16:colId xmlns:a16="http://schemas.microsoft.com/office/drawing/2014/main" val="3046422870"/>
+                    </a:ext>
+                  </a:extLst>
+                </a:gridCol>
+                <a:gridCol w="8185842">
+                  <a:extLst>
+                    <a:ext uri="{9D8B030D-6E8A-4147-A177-3AD203B41FA5}">
+                      <a16:colId xmlns:a16="http://schemas.microsoft.com/office/drawing/2014/main" val="111159778"/>
+                    </a:ext>
+                  </a:extLst>
+                </a:gridCol>
+                <a:gridCol w="1193542">
+                  <a:extLst>
+                    <a:ext uri="{9D8B030D-6E8A-4147-A177-3AD203B41FA5}">
+                      <a16:colId xmlns:a16="http://schemas.microsoft.com/office/drawing/2014/main" val="916369901"/>
+                    </a:ext>
+                  </a:extLst>
+                </a:gridCol>
+              </a:tblGrid>
+              <a:tr h="370840">
+                <a:tc>
+                  <a:txBody>
+                    <a:bodyPr/>
+                    <a:lstStyle/>
+                    <a:p>
+                      <a:r>
+                        <a:rPr lang="de-DE" dirty="0"/>
+                        <a:t>Waren-gruppe</a:t>
+                      </a:r>
+                    </a:p>
+                  </a:txBody>
+                  <a:tcPr/>
+                </a:tc>
+                <a:tc>
+                  <a:txBody>
+                    <a:bodyPr/>
+                    <a:lstStyle/>
+                    <a:p>
+                      <a:r>
+                        <a:rPr lang="de-DE" dirty="0"/>
+                        <a:t>Variablen</a:t>
+                      </a:r>
+                    </a:p>
+                  </a:txBody>
+                  <a:tcPr/>
+                </a:tc>
+                <a:tc>
+                  <a:txBody>
+                    <a:bodyPr/>
+                    <a:lstStyle/>
+                    <a:p>
+                      <a:r>
+                        <a:rPr lang="de-DE" dirty="0" err="1"/>
+                        <a:t>Adjusted</a:t>
+                      </a:r>
+                      <a:r>
+                        <a:rPr lang="de-DE" dirty="0"/>
+                        <a:t> R²</a:t>
+                      </a:r>
+                    </a:p>
+                  </a:txBody>
+                  <a:tcPr/>
+                </a:tc>
+                <a:extLst>
+                  <a:ext uri="{0D108BD9-81ED-4DB2-BD59-A6C34878D82A}">
+                    <a16:rowId xmlns:a16="http://schemas.microsoft.com/office/drawing/2014/main" val="3267547931"/>
+                  </a:ext>
+                </a:extLst>
+              </a:tr>
+              <a:tr h="370840">
+                <a:tc>
+                  <a:txBody>
+                    <a:bodyPr/>
+                    <a:lstStyle/>
+                    <a:p>
+                      <a:r>
+                        <a:rPr lang="de-DE" dirty="0"/>
+                        <a:t>Alle</a:t>
+                      </a:r>
+                    </a:p>
+                  </a:txBody>
+                  <a:tcPr/>
+                </a:tc>
+                <a:tc>
+                  <a:txBody>
+                    <a:bodyPr/>
+                    <a:lstStyle/>
+                    <a:p>
+                      <a:r>
+                        <a:rPr lang="de-DE" dirty="0"/>
+                        <a:t>(Umsatz ~ </a:t>
+                      </a:r>
+                      <a:r>
+                        <a:rPr lang="de-DE" dirty="0" err="1"/>
+                        <a:t>as.factor</a:t>
+                      </a:r>
+                      <a:r>
+                        <a:rPr lang="de-DE" dirty="0"/>
+                        <a:t>(Warengruppe), </a:t>
+                      </a:r>
+                      <a:r>
+                        <a:rPr lang="de-DE" dirty="0" err="1"/>
+                        <a:t>train_data</a:t>
+                      </a:r>
+                      <a:r>
+                        <a:rPr lang="de-DE" dirty="0"/>
+                        <a:t>)</a:t>
+                      </a:r>
+                    </a:p>
+                  </a:txBody>
+                  <a:tcPr/>
+                </a:tc>
+                <a:tc>
+                  <a:txBody>
+                    <a:bodyPr/>
+                    <a:lstStyle/>
+                    <a:p>
+                      <a:r>
+                        <a:rPr lang="de-DE" dirty="0"/>
+                        <a:t>0.6503</a:t>
+                      </a:r>
+                    </a:p>
+                  </a:txBody>
+                  <a:tcPr/>
+                </a:tc>
+                <a:extLst>
+                  <a:ext uri="{0D108BD9-81ED-4DB2-BD59-A6C34878D82A}">
+                    <a16:rowId xmlns:a16="http://schemas.microsoft.com/office/drawing/2014/main" val="2098705694"/>
+                  </a:ext>
+                </a:extLst>
+              </a:tr>
+              <a:tr h="370840">
+                <a:tc>
+                  <a:txBody>
+                    <a:bodyPr/>
+                    <a:lstStyle/>
+                    <a:p>
+                      <a:r>
+                        <a:rPr lang="de-DE" dirty="0"/>
+                        <a:t>Alle</a:t>
+                      </a:r>
+                    </a:p>
+                  </a:txBody>
+                  <a:tcPr/>
+                </a:tc>
+                <a:tc>
+                  <a:txBody>
+                    <a:bodyPr/>
+                    <a:lstStyle/>
+                    <a:p>
+                      <a:r>
+                        <a:rPr lang="de-DE" dirty="0"/>
+                        <a:t>(Umsatz ~ </a:t>
+                      </a:r>
+                      <a:r>
+                        <a:rPr lang="de-DE" dirty="0" err="1"/>
+                        <a:t>as.factor</a:t>
+                      </a:r>
+                      <a:r>
+                        <a:rPr lang="de-DE" dirty="0"/>
+                        <a:t>(Warengruppe) +  </a:t>
+                      </a:r>
+                      <a:r>
+                        <a:rPr lang="de-DE" dirty="0" err="1"/>
+                        <a:t>as.factor</a:t>
+                      </a:r>
+                      <a:r>
+                        <a:rPr lang="de-DE" dirty="0"/>
+                        <a:t>(</a:t>
+                      </a:r>
+                      <a:r>
+                        <a:rPr lang="de-DE" dirty="0" err="1"/>
+                        <a:t>wochentag</a:t>
+                      </a:r>
+                      <a:r>
+                        <a:rPr lang="de-DE" dirty="0"/>
+                        <a:t>) + Temperatur + </a:t>
+                      </a:r>
+                      <a:r>
+                        <a:rPr lang="de-DE" dirty="0" err="1"/>
+                        <a:t>jahreszeit</a:t>
+                      </a:r>
+                      <a:r>
+                        <a:rPr lang="de-DE" dirty="0"/>
+                        <a:t> + Feiertag + Ferien, </a:t>
+                      </a:r>
+                      <a:r>
+                        <a:rPr lang="de-DE" dirty="0" err="1"/>
+                        <a:t>train_data</a:t>
+                      </a:r>
+                      <a:r>
+                        <a:rPr lang="de-DE" dirty="0"/>
+                        <a:t>)</a:t>
+                      </a:r>
+                    </a:p>
+                  </a:txBody>
+                  <a:tcPr/>
+                </a:tc>
+                <a:tc>
+                  <a:txBody>
+                    <a:bodyPr/>
+                    <a:lstStyle/>
+                    <a:p>
+                      <a:r>
+                        <a:rPr lang="de-DE" dirty="0"/>
+                        <a:t>0.7423</a:t>
+                      </a:r>
+                    </a:p>
+                  </a:txBody>
+                  <a:tcPr/>
+                </a:tc>
+                <a:extLst>
+                  <a:ext uri="{0D108BD9-81ED-4DB2-BD59-A6C34878D82A}">
+                    <a16:rowId xmlns:a16="http://schemas.microsoft.com/office/drawing/2014/main" val="3984446406"/>
+                  </a:ext>
+                </a:extLst>
+              </a:tr>
+              <a:tr h="370840">
+                <a:tc>
+                  <a:txBody>
+                    <a:bodyPr/>
+                    <a:lstStyle/>
+                    <a:p>
+                      <a:r>
+                        <a:rPr lang="de-DE" dirty="0"/>
+                        <a:t>Alle</a:t>
+                      </a:r>
+                    </a:p>
+                  </a:txBody>
+                  <a:tcPr/>
+                </a:tc>
+                <a:tc>
+                  <a:txBody>
+                    <a:bodyPr/>
+                    <a:lstStyle/>
+                    <a:p>
+                      <a:pPr marL="0" marR="0" lvl="0" indent="0" algn="l" defTabSz="914400" rtl="0" eaLnBrk="1" fontAlgn="auto" latinLnBrk="0" hangingPunct="1">
+                        <a:lnSpc>
+                          <a:spcPct val="100000"/>
+                        </a:lnSpc>
+                        <a:spcBef>
+                          <a:spcPts val="0"/>
+                        </a:spcBef>
+                        <a:spcAft>
+                          <a:spcPts val="0"/>
+                        </a:spcAft>
+                        <a:buClrTx/>
+                        <a:buSzTx/>
+                        <a:buFontTx/>
+                        <a:buNone/>
+                        <a:tabLst/>
+                        <a:defRPr/>
+                      </a:pPr>
+                      <a:r>
+                        <a:rPr lang="de-DE" dirty="0"/>
+                        <a:t>(Umsatz ~ </a:t>
+                      </a:r>
+                      <a:r>
+                        <a:rPr lang="de-DE" dirty="0" err="1"/>
+                        <a:t>as.factor</a:t>
+                      </a:r>
+                      <a:r>
+                        <a:rPr lang="de-DE" dirty="0"/>
+                        <a:t>(Warengruppe) +  </a:t>
+                      </a:r>
+                      <a:r>
+                        <a:rPr lang="de-DE" dirty="0" err="1"/>
+                        <a:t>as.factor</a:t>
+                      </a:r>
+                      <a:r>
+                        <a:rPr lang="de-DE" dirty="0"/>
+                        <a:t>(</a:t>
+                      </a:r>
+                      <a:r>
+                        <a:rPr lang="de-DE" dirty="0" err="1"/>
+                        <a:t>wochentag</a:t>
+                      </a:r>
+                      <a:r>
+                        <a:rPr lang="de-DE" dirty="0"/>
+                        <a:t>) + Temperatur + </a:t>
+                      </a:r>
+                      <a:r>
+                        <a:rPr lang="de-DE" dirty="0" err="1"/>
+                        <a:t>jahreszeit</a:t>
+                      </a:r>
+                      <a:r>
+                        <a:rPr lang="de-DE" dirty="0"/>
+                        <a:t> + Feiertag + Ferien + </a:t>
+                      </a:r>
+                      <a:r>
+                        <a:rPr lang="de-DE" dirty="0" err="1"/>
+                        <a:t>jahreszeit</a:t>
+                      </a:r>
+                      <a:r>
+                        <a:rPr lang="de-DE" dirty="0"/>
+                        <a:t> * Temperatur, </a:t>
+                      </a:r>
+                      <a:r>
+                        <a:rPr lang="de-DE" dirty="0" err="1"/>
+                        <a:t>train_data</a:t>
+                      </a:r>
+                      <a:r>
+                        <a:rPr lang="de-DE" dirty="0"/>
+                        <a:t>)</a:t>
+                      </a:r>
+                    </a:p>
+                  </a:txBody>
+                  <a:tcPr/>
+                </a:tc>
+                <a:tc>
+                  <a:txBody>
+                    <a:bodyPr/>
+                    <a:lstStyle/>
+                    <a:p>
+                      <a:r>
+                        <a:rPr lang="de-DE" dirty="0"/>
+                        <a:t>0.7431</a:t>
+                      </a:r>
+                    </a:p>
+                  </a:txBody>
+                  <a:tcPr/>
+                </a:tc>
+                <a:extLst>
+                  <a:ext uri="{0D108BD9-81ED-4DB2-BD59-A6C34878D82A}">
+                    <a16:rowId xmlns:a16="http://schemas.microsoft.com/office/drawing/2014/main" val="2690364020"/>
+                  </a:ext>
+                </a:extLst>
+              </a:tr>
+            </a:tbl>
+          </a:graphicData>
+        </a:graphic>
+      </p:graphicFrame>
     </p:spTree>
     <p:extLst>
       <p:ext uri="{BB962C8B-B14F-4D97-AF65-F5344CB8AC3E}">
-        <p14:creationId xmlns:p14="http://schemas.microsoft.com/office/powerpoint/2010/main" val="1283198544"/>
+        <p14:creationId xmlns:p14="http://schemas.microsoft.com/office/powerpoint/2010/main" val="2912599849"/>
       </p:ext>
     </p:extLst>
   </p:cSld>
@@ -6469,7 +7942,7 @@
           <p:cNvPr id="2" name="Titel 1">
             <a:extLst>
               <a:ext uri="{FF2B5EF4-FFF2-40B4-BE49-F238E27FC236}">
-                <a16:creationId xmlns:a16="http://schemas.microsoft.com/office/drawing/2014/main" id="{925338B6-1A89-75B3-28D9-BB71D0B6E999}"/>
+                <a16:creationId xmlns:a16="http://schemas.microsoft.com/office/drawing/2014/main" id="{6B5C63FE-F101-02F2-D1A3-343FC9CFD71F}"/>
               </a:ext>
             </a:extLst>
           </p:cNvPr>
@@ -6487,7 +7960,7 @@
           <a:p>
             <a:r>
               <a:rPr lang="de-DE" dirty="0"/>
-              <a:t>Optimierung eines neuronalen Netzes:</a:t>
+              <a:t>Optimierung eines linearen Modells („Baseline Modell“):</a:t>
             </a:r>
           </a:p>
         </p:txBody>
@@ -6497,7 +7970,7 @@
           <p:cNvPr id="3" name="Inhaltsplatzhalter 2">
             <a:extLst>
               <a:ext uri="{FF2B5EF4-FFF2-40B4-BE49-F238E27FC236}">
-                <a16:creationId xmlns:a16="http://schemas.microsoft.com/office/drawing/2014/main" id="{92BCCD00-C4DD-B23E-DA10-5A4D725B6C43}"/>
+                <a16:creationId xmlns:a16="http://schemas.microsoft.com/office/drawing/2014/main" id="{776E0D2F-2868-ECD7-47D6-C9E54A0351E1}"/>
               </a:ext>
             </a:extLst>
           </p:cNvPr>
@@ -6515,25 +7988,19 @@
           <a:p>
             <a:pPr marL="514350" indent="-514350">
               <a:buFont typeface="+mj-lt"/>
-              <a:buAutoNum type="alphaLcParenR"/>
+              <a:buAutoNum type="alphaLcParenR" startAt="3"/>
             </a:pPr>
             <a:r>
               <a:rPr lang="de-DE" dirty="0"/>
-              <a:t>Source Code der Definition des neuronalen Netzes</a:t>
-            </a:r>
-          </a:p>
-          <a:p>
-            <a:pPr marL="0" indent="0">
-              <a:buNone/>
-            </a:pPr>
-            <a:endParaRPr lang="de-DE" dirty="0"/>
+              <a:t> MAPE für den Zeitraum vom 1.8.2018 bis 30.7.2019:</a:t>
+            </a:r>
           </a:p>
         </p:txBody>
       </p:sp>
     </p:spTree>
     <p:extLst>
       <p:ext uri="{BB962C8B-B14F-4D97-AF65-F5344CB8AC3E}">
-        <p14:creationId xmlns:p14="http://schemas.microsoft.com/office/powerpoint/2010/main" val="150230274"/>
+        <p14:creationId xmlns:p14="http://schemas.microsoft.com/office/powerpoint/2010/main" val="1283198544"/>
       </p:ext>
     </p:extLst>
   </p:cSld>

--- a/Präsentation Gruppe 2.pptx
+++ b/Präsentation Gruppe 2.pptx
@@ -5,7 +5,7 @@
     <p:sldMasterId id="2147483675" r:id="rId1"/>
   </p:sldMasterIdLst>
   <p:notesMasterIdLst>
-    <p:notesMasterId r:id="rId16"/>
+    <p:notesMasterId r:id="rId17"/>
   </p:notesMasterIdLst>
   <p:sldIdLst>
     <p:sldId id="256" r:id="rId2"/>
@@ -18,10 +18,11 @@
     <p:sldId id="262" r:id="rId9"/>
     <p:sldId id="263" r:id="rId10"/>
     <p:sldId id="260" r:id="rId11"/>
-    <p:sldId id="264" r:id="rId12"/>
-    <p:sldId id="265" r:id="rId13"/>
-    <p:sldId id="261" r:id="rId14"/>
-    <p:sldId id="267" r:id="rId15"/>
+    <p:sldId id="272" r:id="rId12"/>
+    <p:sldId id="264" r:id="rId13"/>
+    <p:sldId id="265" r:id="rId14"/>
+    <p:sldId id="261" r:id="rId15"/>
+    <p:sldId id="267" r:id="rId16"/>
   </p:sldIdLst>
   <p:sldSz cx="12192000" cy="6858000"/>
   <p:notesSz cx="6858000" cy="9144000"/>
@@ -749,6 +750,144 @@
     <p:extLst>
       <p:ext uri="{BB962C8B-B14F-4D97-AF65-F5344CB8AC3E}">
         <p14:creationId xmlns:p14="http://schemas.microsoft.com/office/powerpoint/2010/main" val="2221692920"/>
+      </p:ext>
+    </p:extLst>
+  </p:cSld>
+  <p:clrMapOvr>
+    <a:masterClrMapping/>
+  </p:clrMapOvr>
+</p:notes>
+</file>
+
+<file path=ppt/notesSlides/notesSlide4.xml><?xml version="1.0" encoding="utf-8"?>
+<p:notes xmlns:a="http://schemas.openxmlformats.org/drawingml/2006/main" xmlns:r="http://schemas.openxmlformats.org/officeDocument/2006/relationships" xmlns:p="http://schemas.openxmlformats.org/presentationml/2006/main">
+  <p:cSld>
+    <p:spTree>
+      <p:nvGrpSpPr>
+        <p:cNvPr id="1" name=""/>
+        <p:cNvGrpSpPr/>
+        <p:nvPr/>
+      </p:nvGrpSpPr>
+      <p:grpSpPr>
+        <a:xfrm>
+          <a:off x="0" y="0"/>
+          <a:ext cx="0" cy="0"/>
+          <a:chOff x="0" y="0"/>
+          <a:chExt cx="0" cy="0"/>
+        </a:xfrm>
+      </p:grpSpPr>
+      <p:sp>
+        <p:nvSpPr>
+          <p:cNvPr id="2" name="Folienbildplatzhalter 1"/>
+          <p:cNvSpPr>
+            <a:spLocks noGrp="1" noRot="1" noChangeAspect="1"/>
+          </p:cNvSpPr>
+          <p:nvPr>
+            <p:ph type="sldImg"/>
+          </p:nvPr>
+        </p:nvSpPr>
+        <p:spPr/>
+      </p:sp>
+      <p:sp>
+        <p:nvSpPr>
+          <p:cNvPr id="3" name="Notizenplatzhalter 2"/>
+          <p:cNvSpPr>
+            <a:spLocks noGrp="1"/>
+          </p:cNvSpPr>
+          <p:nvPr>
+            <p:ph type="body" idx="1"/>
+          </p:nvPr>
+        </p:nvSpPr>
+        <p:spPr/>
+        <p:txBody>
+          <a:bodyPr/>
+          <a:lstStyle/>
+          <a:p>
+            <a:r>
+              <a:rPr lang="de-DE" dirty="0"/>
+              <a:t>Interessant weil Validation </a:t>
+            </a:r>
+            <a:r>
+              <a:rPr lang="de-DE" dirty="0" err="1"/>
+              <a:t>loss</a:t>
+            </a:r>
+            <a:r>
+              <a:rPr lang="de-DE" dirty="0"/>
+              <a:t> geringer ist als Training </a:t>
+            </a:r>
+            <a:r>
+              <a:rPr lang="de-DE" dirty="0">
+                <a:sym typeface="Wingdings" panose="05000000000000000000" pitchFamily="2" charset="2"/>
+              </a:rPr>
+              <a:t> bedeutet, </a:t>
+            </a:r>
+            <a:r>
+              <a:rPr lang="de-DE" dirty="0" err="1">
+                <a:sym typeface="Wingdings" panose="05000000000000000000" pitchFamily="2" charset="2"/>
+              </a:rPr>
+              <a:t>dass</a:t>
+            </a:r>
+            <a:r>
+              <a:rPr lang="de-DE" dirty="0">
+                <a:sym typeface="Wingdings" panose="05000000000000000000" pitchFamily="2" charset="2"/>
+              </a:rPr>
+              <a:t> </a:t>
+            </a:r>
+            <a:r>
+              <a:rPr lang="de-DE" dirty="0" err="1">
+                <a:sym typeface="Wingdings" panose="05000000000000000000" pitchFamily="2" charset="2"/>
+              </a:rPr>
+              <a:t>validation</a:t>
+            </a:r>
+            <a:r>
+              <a:rPr lang="de-DE" dirty="0">
+                <a:sym typeface="Wingdings" panose="05000000000000000000" pitchFamily="2" charset="2"/>
+              </a:rPr>
+              <a:t> </a:t>
+            </a:r>
+            <a:r>
+              <a:rPr lang="de-DE" dirty="0" err="1">
+                <a:sym typeface="Wingdings" panose="05000000000000000000" pitchFamily="2" charset="2"/>
+              </a:rPr>
+              <a:t>datensatz</a:t>
+            </a:r>
+            <a:r>
+              <a:rPr lang="de-DE" dirty="0">
+                <a:sym typeface="Wingdings" panose="05000000000000000000" pitchFamily="2" charset="2"/>
+              </a:rPr>
+              <a:t> besser vorherzusagen ist  repräsentiert damit aber nicht gut die Daten</a:t>
+            </a:r>
+            <a:endParaRPr lang="de-DE" dirty="0"/>
+          </a:p>
+        </p:txBody>
+      </p:sp>
+      <p:sp>
+        <p:nvSpPr>
+          <p:cNvPr id="4" name="Foliennummernplatzhalter 3"/>
+          <p:cNvSpPr>
+            <a:spLocks noGrp="1"/>
+          </p:cNvSpPr>
+          <p:nvPr>
+            <p:ph type="sldNum" sz="quarter" idx="5"/>
+          </p:nvPr>
+        </p:nvSpPr>
+        <p:spPr/>
+        <p:txBody>
+          <a:bodyPr/>
+          <a:lstStyle/>
+          <a:p>
+            <a:fld id="{6620C3BC-38C1-43FE-B962-4441245910D1}" type="slidenum">
+              <a:rPr lang="de-DE" smtClean="0"/>
+              <a:t>12</a:t>
+            </a:fld>
+            <a:endParaRPr lang="de-DE"/>
+          </a:p>
+        </p:txBody>
+      </p:sp>
+    </p:spTree>
+    <p:extLst>
+      <p:ext uri="{BB962C8B-B14F-4D97-AF65-F5344CB8AC3E}">
+        <p14:creationId xmlns:p14="http://schemas.microsoft.com/office/powerpoint/2010/main" val="1849540442"/>
       </p:ext>
     </p:extLst>
   </p:cSld>
@@ -4069,7 +4208,15 @@
           <a:p>
             <a:r>
               <a:rPr lang="de-DE" dirty="0"/>
-              <a:t>Optimierung eines neuronalen Netzes:</a:t>
+              <a:t>Art der </a:t>
+            </a:r>
+            <a:r>
+              <a:rPr lang="de-DE" dirty="0" err="1"/>
+              <a:t>Missing</a:t>
+            </a:r>
+            <a:r>
+              <a:rPr lang="de-DE" dirty="0"/>
+              <a:t> Value Imputation</a:t>
             </a:r>
           </a:p>
         </p:txBody>
@@ -4095,13 +4242,12 @@
           <a:bodyPr/>
           <a:lstStyle/>
           <a:p>
-            <a:pPr marL="514350" indent="-514350">
-              <a:buFont typeface="+mj-lt"/>
-              <a:buAutoNum type="alphaLcParenR"/>
+            <a:pPr marL="0" indent="0">
+              <a:buNone/>
             </a:pPr>
             <a:r>
               <a:rPr lang="de-DE" dirty="0"/>
-              <a:t>Source Code der Definition des neuronalen Netzes</a:t>
+              <a:t>Hotdeck-Methode (auf Ähnlichkeiten)</a:t>
             </a:r>
           </a:p>
           <a:p>
@@ -4110,8 +4256,44 @@
             </a:pPr>
             <a:endParaRPr lang="de-DE" dirty="0"/>
           </a:p>
-        </p:txBody>
-      </p:sp>
+          <a:p>
+            <a:pPr marL="0" indent="0">
+              <a:buNone/>
+            </a:pPr>
+            <a:endParaRPr lang="de-DE" dirty="0"/>
+          </a:p>
+        </p:txBody>
+      </p:sp>
+      <p:pic>
+        <p:nvPicPr>
+          <p:cNvPr id="5" name="Grafik 4">
+            <a:extLst>
+              <a:ext uri="{FF2B5EF4-FFF2-40B4-BE49-F238E27FC236}">
+                <a16:creationId xmlns:a16="http://schemas.microsoft.com/office/drawing/2014/main" id="{963C079B-9965-BC30-E3D2-994FE0A381B2}"/>
+              </a:ext>
+            </a:extLst>
+          </p:cNvPr>
+          <p:cNvPicPr>
+            <a:picLocks noChangeAspect="1"/>
+          </p:cNvPicPr>
+          <p:nvPr/>
+        </p:nvPicPr>
+        <p:blipFill>
+          <a:blip r:embed="rId2"/>
+          <a:stretch>
+            <a:fillRect/>
+          </a:stretch>
+        </p:blipFill>
+        <p:spPr>
+          <a:xfrm>
+            <a:off x="2742930" y="3429000"/>
+            <a:ext cx="6706139" cy="2131486"/>
+          </a:xfrm>
+          <a:prstGeom prst="rect">
+            <a:avLst/>
+          </a:prstGeom>
+        </p:spPr>
+      </p:pic>
     </p:spTree>
     <p:extLst>
       <p:ext uri="{BB962C8B-B14F-4D97-AF65-F5344CB8AC3E}">
@@ -4147,7 +4329,7 @@
           <p:cNvPr id="2" name="Titel 1">
             <a:extLst>
               <a:ext uri="{FF2B5EF4-FFF2-40B4-BE49-F238E27FC236}">
-                <a16:creationId xmlns:a16="http://schemas.microsoft.com/office/drawing/2014/main" id="{925338B6-1A89-75B3-28D9-BB71D0B6E999}"/>
+                <a16:creationId xmlns:a16="http://schemas.microsoft.com/office/drawing/2014/main" id="{449AA396-9602-E702-0794-EE6805DA5BF3}"/>
               </a:ext>
             </a:extLst>
           </p:cNvPr>
@@ -4175,7 +4357,7 @@
           <p:cNvPr id="3" name="Inhaltsplatzhalter 2">
             <a:extLst>
               <a:ext uri="{FF2B5EF4-FFF2-40B4-BE49-F238E27FC236}">
-                <a16:creationId xmlns:a16="http://schemas.microsoft.com/office/drawing/2014/main" id="{92BCCD00-C4DD-B23E-DA10-5A4D725B6C43}"/>
+                <a16:creationId xmlns:a16="http://schemas.microsoft.com/office/drawing/2014/main" id="{40938F1C-74F4-A020-D74F-7D8CE47BE573}"/>
               </a:ext>
             </a:extLst>
           </p:cNvPr>
@@ -4191,27 +4373,80 @@
           <a:bodyPr/>
           <a:lstStyle/>
           <a:p>
-            <a:pPr marL="514350" indent="-514350">
+            <a:pPr marL="342900" indent="-342900">
               <a:buFont typeface="+mj-lt"/>
-              <a:buAutoNum type="alphaLcParenR" startAt="2"/>
+              <a:buAutoNum type="alphaLcParenR"/>
             </a:pPr>
             <a:r>
               <a:rPr lang="de-DE" dirty="0"/>
-              <a:t>Darstellung der Loss-Funktionen für Trainings- und Validierungsdatensatz</a:t>
-            </a:r>
-          </a:p>
-          <a:p>
-            <a:pPr marL="0" indent="0">
-              <a:buNone/>
-            </a:pPr>
-            <a:endParaRPr lang="de-DE" dirty="0"/>
-          </a:p>
-        </p:txBody>
-      </p:sp>
+              <a:t>Source Code zur Definition des neuronalen Netzes</a:t>
+            </a:r>
+          </a:p>
+        </p:txBody>
+      </p:sp>
+      <p:pic>
+        <p:nvPicPr>
+          <p:cNvPr id="5" name="Grafik 4">
+            <a:extLst>
+              <a:ext uri="{FF2B5EF4-FFF2-40B4-BE49-F238E27FC236}">
+                <a16:creationId xmlns:a16="http://schemas.microsoft.com/office/drawing/2014/main" id="{5C0B5474-E9B5-28E3-8686-EFB7987778C1}"/>
+              </a:ext>
+            </a:extLst>
+          </p:cNvPr>
+          <p:cNvPicPr>
+            <a:picLocks noChangeAspect="1"/>
+          </p:cNvPicPr>
+          <p:nvPr/>
+        </p:nvPicPr>
+        <p:blipFill rotWithShape="1">
+          <a:blip r:embed="rId2"/>
+          <a:srcRect l="1332" t="1468" r="-1"/>
+          <a:stretch/>
+        </p:blipFill>
+        <p:spPr>
+          <a:xfrm>
+            <a:off x="7759521" y="3168203"/>
+            <a:ext cx="2098306" cy="3056456"/>
+          </a:xfrm>
+          <a:prstGeom prst="rect">
+            <a:avLst/>
+          </a:prstGeom>
+        </p:spPr>
+      </p:pic>
+      <p:pic>
+        <p:nvPicPr>
+          <p:cNvPr id="13" name="Grafik 12">
+            <a:extLst>
+              <a:ext uri="{FF2B5EF4-FFF2-40B4-BE49-F238E27FC236}">
+                <a16:creationId xmlns:a16="http://schemas.microsoft.com/office/drawing/2014/main" id="{0F330467-F30A-C7DC-4F4F-51AD9B491D7C}"/>
+              </a:ext>
+            </a:extLst>
+          </p:cNvPr>
+          <p:cNvPicPr>
+            <a:picLocks noChangeAspect="1"/>
+          </p:cNvPicPr>
+          <p:nvPr/>
+        </p:nvPicPr>
+        <p:blipFill>
+          <a:blip r:embed="rId3"/>
+          <a:stretch>
+            <a:fillRect/>
+          </a:stretch>
+        </p:blipFill>
+        <p:spPr>
+          <a:xfrm>
+            <a:off x="1687073" y="3727897"/>
+            <a:ext cx="5804198" cy="1759040"/>
+          </a:xfrm>
+          <a:prstGeom prst="rect">
+            <a:avLst/>
+          </a:prstGeom>
+        </p:spPr>
+      </p:pic>
     </p:spTree>
     <p:extLst>
       <p:ext uri="{BB962C8B-B14F-4D97-AF65-F5344CB8AC3E}">
-        <p14:creationId xmlns:p14="http://schemas.microsoft.com/office/powerpoint/2010/main" val="1581731859"/>
+        <p14:creationId xmlns:p14="http://schemas.microsoft.com/office/powerpoint/2010/main" val="319891145"/>
       </p:ext>
     </p:extLst>
   </p:cSld>
@@ -4289,11 +4524,11 @@
           <a:p>
             <a:pPr marL="514350" indent="-514350">
               <a:buFont typeface="+mj-lt"/>
-              <a:buAutoNum type="alphaLcParenR" startAt="3"/>
+              <a:buAutoNum type="alphaLcParenR" startAt="2"/>
             </a:pPr>
             <a:r>
               <a:rPr lang="de-DE" dirty="0"/>
-              <a:t>MAPE je Warengruppe für den Zeitraum vom 1.8.2018 bis 30.7.2019</a:t>
+              <a:t>Darstellung der Loss-Funktionen für Trainings- und Validierungsdatensatz</a:t>
             </a:r>
           </a:p>
           <a:p>
@@ -4304,6 +4539,212 @@
           </a:p>
         </p:txBody>
       </p:sp>
+      <p:pic>
+        <p:nvPicPr>
+          <p:cNvPr id="5" name="Grafik 4">
+            <a:extLst>
+              <a:ext uri="{FF2B5EF4-FFF2-40B4-BE49-F238E27FC236}">
+                <a16:creationId xmlns:a16="http://schemas.microsoft.com/office/drawing/2014/main" id="{47027535-3ECB-498F-BB0B-823E95B453DB}"/>
+              </a:ext>
+            </a:extLst>
+          </p:cNvPr>
+          <p:cNvPicPr>
+            <a:picLocks noChangeAspect="1"/>
+          </p:cNvPicPr>
+          <p:nvPr/>
+        </p:nvPicPr>
+        <p:blipFill>
+          <a:blip r:embed="rId3"/>
+          <a:stretch>
+            <a:fillRect/>
+          </a:stretch>
+        </p:blipFill>
+        <p:spPr>
+          <a:xfrm>
+            <a:off x="3077172" y="3069844"/>
+            <a:ext cx="6037656" cy="3221394"/>
+          </a:xfrm>
+          <a:prstGeom prst="rect">
+            <a:avLst/>
+          </a:prstGeom>
+        </p:spPr>
+      </p:pic>
+    </p:spTree>
+    <p:extLst>
+      <p:ext uri="{BB962C8B-B14F-4D97-AF65-F5344CB8AC3E}">
+        <p14:creationId xmlns:p14="http://schemas.microsoft.com/office/powerpoint/2010/main" val="1581731859"/>
+      </p:ext>
+    </p:extLst>
+  </p:cSld>
+  <p:clrMapOvr>
+    <a:masterClrMapping/>
+  </p:clrMapOvr>
+</p:sld>
+</file>
+
+<file path=ppt/slides/slide13.xml><?xml version="1.0" encoding="utf-8"?>
+<p:sld xmlns:a="http://schemas.openxmlformats.org/drawingml/2006/main" xmlns:r="http://schemas.openxmlformats.org/officeDocument/2006/relationships" xmlns:p="http://schemas.openxmlformats.org/presentationml/2006/main">
+  <p:cSld>
+    <p:spTree>
+      <p:nvGrpSpPr>
+        <p:cNvPr id="1" name=""/>
+        <p:cNvGrpSpPr/>
+        <p:nvPr/>
+      </p:nvGrpSpPr>
+      <p:grpSpPr>
+        <a:xfrm>
+          <a:off x="0" y="0"/>
+          <a:ext cx="0" cy="0"/>
+          <a:chOff x="0" y="0"/>
+          <a:chExt cx="0" cy="0"/>
+        </a:xfrm>
+      </p:grpSpPr>
+      <p:sp>
+        <p:nvSpPr>
+          <p:cNvPr id="2" name="Titel 1">
+            <a:extLst>
+              <a:ext uri="{FF2B5EF4-FFF2-40B4-BE49-F238E27FC236}">
+                <a16:creationId xmlns:a16="http://schemas.microsoft.com/office/drawing/2014/main" id="{925338B6-1A89-75B3-28D9-BB71D0B6E999}"/>
+              </a:ext>
+            </a:extLst>
+          </p:cNvPr>
+          <p:cNvSpPr>
+            <a:spLocks noGrp="1"/>
+          </p:cNvSpPr>
+          <p:nvPr>
+            <p:ph type="title"/>
+          </p:nvPr>
+        </p:nvSpPr>
+        <p:spPr/>
+        <p:txBody>
+          <a:bodyPr/>
+          <a:lstStyle/>
+          <a:p>
+            <a:r>
+              <a:rPr lang="de-DE" dirty="0"/>
+              <a:t>Optimierung eines neuronalen Netzes:</a:t>
+            </a:r>
+          </a:p>
+        </p:txBody>
+      </p:sp>
+      <p:sp>
+        <p:nvSpPr>
+          <p:cNvPr id="3" name="Inhaltsplatzhalter 2">
+            <a:extLst>
+              <a:ext uri="{FF2B5EF4-FFF2-40B4-BE49-F238E27FC236}">
+                <a16:creationId xmlns:a16="http://schemas.microsoft.com/office/drawing/2014/main" id="{92BCCD00-C4DD-B23E-DA10-5A4D725B6C43}"/>
+              </a:ext>
+            </a:extLst>
+          </p:cNvPr>
+          <p:cNvSpPr>
+            <a:spLocks noGrp="1"/>
+          </p:cNvSpPr>
+          <p:nvPr>
+            <p:ph idx="1"/>
+          </p:nvPr>
+        </p:nvSpPr>
+        <p:spPr/>
+        <p:txBody>
+          <a:bodyPr/>
+          <a:lstStyle/>
+          <a:p>
+            <a:pPr marL="514350" indent="-514350">
+              <a:buFont typeface="+mj-lt"/>
+              <a:buAutoNum type="alphaLcParenR" startAt="3"/>
+            </a:pPr>
+            <a:r>
+              <a:rPr lang="de-DE" dirty="0"/>
+              <a:t>MAPE für Validierungsdatensatz insgesamt</a:t>
+            </a:r>
+          </a:p>
+          <a:p>
+            <a:pPr marL="0" indent="0">
+              <a:buNone/>
+            </a:pPr>
+            <a:endParaRPr lang="de-DE" dirty="0"/>
+          </a:p>
+          <a:p>
+            <a:pPr marL="514350" indent="-514350">
+              <a:buFont typeface="+mj-lt"/>
+              <a:buAutoNum type="alphaLcParenR" startAt="3"/>
+            </a:pPr>
+            <a:endParaRPr lang="de-DE" dirty="0"/>
+          </a:p>
+          <a:p>
+            <a:pPr marL="514350" indent="-514350">
+              <a:buFont typeface="+mj-lt"/>
+              <a:buAutoNum type="alphaLcParenR" startAt="3"/>
+            </a:pPr>
+            <a:endParaRPr lang="de-DE" dirty="0"/>
+          </a:p>
+          <a:p>
+            <a:pPr marL="0" indent="0">
+              <a:buNone/>
+            </a:pPr>
+            <a:endParaRPr lang="de-DE" dirty="0"/>
+          </a:p>
+        </p:txBody>
+      </p:sp>
+      <p:pic>
+        <p:nvPicPr>
+          <p:cNvPr id="5" name="Grafik 4">
+            <a:extLst>
+              <a:ext uri="{FF2B5EF4-FFF2-40B4-BE49-F238E27FC236}">
+                <a16:creationId xmlns:a16="http://schemas.microsoft.com/office/drawing/2014/main" id="{9D3B268D-38E9-9046-CE35-694BA0D7A002}"/>
+              </a:ext>
+            </a:extLst>
+          </p:cNvPr>
+          <p:cNvPicPr>
+            <a:picLocks noChangeAspect="1"/>
+          </p:cNvPicPr>
+          <p:nvPr/>
+        </p:nvPicPr>
+        <p:blipFill>
+          <a:blip r:embed="rId2"/>
+          <a:stretch>
+            <a:fillRect/>
+          </a:stretch>
+        </p:blipFill>
+        <p:spPr>
+          <a:xfrm>
+            <a:off x="3034200" y="3057116"/>
+            <a:ext cx="3927983" cy="323587"/>
+          </a:xfrm>
+          <a:prstGeom prst="rect">
+            <a:avLst/>
+          </a:prstGeom>
+        </p:spPr>
+      </p:pic>
+      <p:pic>
+        <p:nvPicPr>
+          <p:cNvPr id="7" name="Grafik 6">
+            <a:extLst>
+              <a:ext uri="{FF2B5EF4-FFF2-40B4-BE49-F238E27FC236}">
+                <a16:creationId xmlns:a16="http://schemas.microsoft.com/office/drawing/2014/main" id="{C689BA97-F78A-CFD6-CF2C-87F3923862E7}"/>
+              </a:ext>
+            </a:extLst>
+          </p:cNvPr>
+          <p:cNvPicPr>
+            <a:picLocks noChangeAspect="1"/>
+          </p:cNvPicPr>
+          <p:nvPr/>
+        </p:nvPicPr>
+        <p:blipFill>
+          <a:blip r:embed="rId3"/>
+          <a:stretch>
+            <a:fillRect/>
+          </a:stretch>
+        </p:blipFill>
+        <p:spPr>
+          <a:xfrm>
+            <a:off x="7373634" y="3057116"/>
+            <a:ext cx="1879837" cy="1777202"/>
+          </a:xfrm>
+          <a:prstGeom prst="rect">
+            <a:avLst/>
+          </a:prstGeom>
+        </p:spPr>
+      </p:pic>
     </p:spTree>
     <p:extLst>
       <p:ext uri="{BB962C8B-B14F-4D97-AF65-F5344CB8AC3E}">
@@ -4317,7 +4758,7 @@
 </p:sld>
 </file>
 
-<file path=ppt/slides/slide13.xml><?xml version="1.0" encoding="utf-8"?>
+<file path=ppt/slides/slide14.xml><?xml version="1.0" encoding="utf-8"?>
 <p:sld xmlns:a="http://schemas.openxmlformats.org/drawingml/2006/main" xmlns:r="http://schemas.openxmlformats.org/officeDocument/2006/relationships" xmlns:p="http://schemas.openxmlformats.org/presentationml/2006/main">
   <p:cSld>
     <p:spTree>
@@ -5482,7 +5923,7 @@
 </p:sld>
 </file>
 
-<file path=ppt/slides/slide14.xml><?xml version="1.0" encoding="utf-8"?>
+<file path=ppt/slides/slide15.xml><?xml version="1.0" encoding="utf-8"?>
 <p:sld xmlns:a="http://schemas.openxmlformats.org/drawingml/2006/main" xmlns:r="http://schemas.openxmlformats.org/officeDocument/2006/relationships" xmlns:p="http://schemas.openxmlformats.org/presentationml/2006/main">
   <p:cSld>
     <p:spTree>
@@ -7391,9 +7832,16 @@
             <p:ph idx="1"/>
           </p:nvPr>
         </p:nvSpPr>
-        <p:spPr/>
-        <p:txBody>
-          <a:bodyPr/>
+        <p:spPr>
+          <a:xfrm>
+            <a:off x="596721" y="2638044"/>
+            <a:ext cx="10998558" cy="3101983"/>
+          </a:xfrm>
+        </p:spPr>
+        <p:txBody>
+          <a:bodyPr>
+            <a:normAutofit lnSpcReduction="10000"/>
+          </a:bodyPr>
           <a:lstStyle/>
           <a:p>
             <a:pPr marL="514350" indent="-514350">
@@ -7405,44 +7853,149 @@
               <a:t> Modellgleichung:</a:t>
             </a:r>
           </a:p>
-        </p:txBody>
-      </p:sp>
-      <p:pic>
-        <p:nvPicPr>
-          <p:cNvPr id="5" name="Grafik 4">
-            <a:extLst>
-              <a:ext uri="{FF2B5EF4-FFF2-40B4-BE49-F238E27FC236}">
-                <a16:creationId xmlns:a16="http://schemas.microsoft.com/office/drawing/2014/main" id="{9523D6F7-A565-35A9-2EF7-5EC21CE8E8A2}"/>
-              </a:ext>
-            </a:extLst>
-          </p:cNvPr>
-          <p:cNvPicPr>
-            <a:picLocks noChangeAspect="1"/>
-          </p:cNvPicPr>
-          <p:nvPr/>
-        </p:nvPicPr>
-        <p:blipFill>
-          <a:blip r:embed="rId2">
-            <a:extLst>
-              <a:ext uri="{28A0092B-C50C-407E-A947-70E740481C1C}">
-                <a14:useLocalDpi xmlns:a14="http://schemas.microsoft.com/office/drawing/2010/main" val="0"/>
-              </a:ext>
-            </a:extLst>
-          </a:blip>
-          <a:stretch>
-            <a:fillRect/>
-          </a:stretch>
-        </p:blipFill>
-        <p:spPr>
-          <a:xfrm>
-            <a:off x="889861" y="3075586"/>
-            <a:ext cx="10412278" cy="3258005"/>
-          </a:xfrm>
-          <a:prstGeom prst="rect">
-            <a:avLst/>
-          </a:prstGeom>
-        </p:spPr>
-      </p:pic>
+          <a:p>
+            <a:pPr marL="0" indent="0">
+              <a:buNone/>
+            </a:pPr>
+            <a:r>
+              <a:rPr lang="de-DE" altLang="de-DE" dirty="0"/>
+              <a:t>Modellgleichung: Umsatz ~ </a:t>
+            </a:r>
+            <a:r>
+              <a:rPr lang="de-DE" altLang="de-DE" dirty="0" err="1"/>
+              <a:t>as.factor</a:t>
+            </a:r>
+            <a:r>
+              <a:rPr lang="de-DE" altLang="de-DE" dirty="0"/>
+              <a:t>(Warengruppe) + </a:t>
+            </a:r>
+            <a:r>
+              <a:rPr lang="de-DE" altLang="de-DE" dirty="0" err="1"/>
+              <a:t>as.factor</a:t>
+            </a:r>
+            <a:r>
+              <a:rPr lang="de-DE" altLang="de-DE" dirty="0"/>
+              <a:t>(</a:t>
+            </a:r>
+            <a:r>
+              <a:rPr lang="de-DE" altLang="de-DE" dirty="0" err="1"/>
+              <a:t>wochentag</a:t>
+            </a:r>
+            <a:r>
+              <a:rPr lang="de-DE" altLang="de-DE" dirty="0"/>
+              <a:t>) + Temperatur + </a:t>
+            </a:r>
+            <a:r>
+              <a:rPr lang="de-DE" altLang="de-DE" dirty="0" err="1"/>
+              <a:t>jahreszeit</a:t>
+            </a:r>
+            <a:r>
+              <a:rPr lang="de-DE" altLang="de-DE" dirty="0"/>
+              <a:t> + Feiertag + Ferien </a:t>
+            </a:r>
+          </a:p>
+          <a:p>
+            <a:pPr marL="0" indent="0">
+              <a:buNone/>
+            </a:pPr>
+            <a:endParaRPr lang="de-DE" dirty="0"/>
+          </a:p>
+          <a:p>
+            <a:pPr marL="0" indent="0">
+              <a:buNone/>
+            </a:pPr>
+            <a:r>
+              <a:rPr lang="de-DE" dirty="0"/>
+              <a:t>Umsatz = 63.79 + 295.21 * (Warengruppe)2 * 44.20 * (Warengruppe)3 + -32.52 * (Warengruppe)4 + 162.78 * (Warengruppe)5 + -28.34 * (Warengruppe)6 + 3.88 * (</a:t>
+            </a:r>
+            <a:r>
+              <a:rPr lang="de-DE" dirty="0" err="1"/>
+              <a:t>wochentag</a:t>
+            </a:r>
+            <a:r>
+              <a:rPr lang="de-DE" dirty="0"/>
+              <a:t>)Donnerstag + 7.07 * (</a:t>
+            </a:r>
+            <a:r>
+              <a:rPr lang="de-DE" dirty="0" err="1"/>
+              <a:t>wochentag</a:t>
+            </a:r>
+            <a:r>
+              <a:rPr lang="de-DE" dirty="0"/>
+              <a:t>)Freitag + 0.77 * (</a:t>
+            </a:r>
+            <a:r>
+              <a:rPr lang="de-DE" dirty="0" err="1"/>
+              <a:t>wochentag</a:t>
+            </a:r>
+            <a:r>
+              <a:rPr lang="de-DE" dirty="0"/>
+              <a:t>)Mittwoch + 2.36 * (</a:t>
+            </a:r>
+            <a:r>
+              <a:rPr lang="de-DE" dirty="0" err="1"/>
+              <a:t>wochentag</a:t>
+            </a:r>
+            <a:r>
+              <a:rPr lang="de-DE" dirty="0"/>
+              <a:t>)Montag + 52.97 * (</a:t>
+            </a:r>
+            <a:r>
+              <a:rPr lang="de-DE" dirty="0" err="1"/>
+              <a:t>wochentag</a:t>
+            </a:r>
+            <a:r>
+              <a:rPr lang="de-DE" dirty="0"/>
+              <a:t>)Samstag + 59.26 * (</a:t>
+            </a:r>
+            <a:r>
+              <a:rPr lang="de-DE" dirty="0" err="1"/>
+              <a:t>wochentag</a:t>
+            </a:r>
+            <a:r>
+              <a:rPr lang="de-DE" dirty="0"/>
+              <a:t>)Sonntag + 56.65 * Temperaturheiß + 5.47 * Temperaturkalt + 24.42 * Temperaturmoderat + 28.91 * Temperatursommerlich + 2.12 * </a:t>
+            </a:r>
+            <a:r>
+              <a:rPr lang="de-DE" dirty="0" err="1"/>
+              <a:t>jahreszeitHerbst</a:t>
+            </a:r>
+            <a:r>
+              <a:rPr lang="de-DE" dirty="0"/>
+              <a:t> + 49.77 * </a:t>
+            </a:r>
+            <a:r>
+              <a:rPr lang="de-DE" dirty="0" err="1"/>
+              <a:t>jahreszeitSommer</a:t>
+            </a:r>
+            <a:r>
+              <a:rPr lang="de-DE" dirty="0"/>
+              <a:t> + -0.87 * </a:t>
+            </a:r>
+            <a:r>
+              <a:rPr lang="de-DE" dirty="0" err="1"/>
+              <a:t>jahreszeitWinter</a:t>
+            </a:r>
+            <a:r>
+              <a:rPr lang="de-DE" dirty="0"/>
+              <a:t> + 99.92 * </a:t>
+            </a:r>
+            <a:r>
+              <a:rPr lang="de-DE" dirty="0" err="1"/>
+              <a:t>FeiertagTRUE</a:t>
+            </a:r>
+            <a:r>
+              <a:rPr lang="de-DE" dirty="0"/>
+              <a:t> + 36,19 * </a:t>
+            </a:r>
+            <a:r>
+              <a:rPr lang="de-DE" dirty="0" err="1"/>
+              <a:t>FerienTRUE</a:t>
+            </a:r>
+            <a:endParaRPr lang="de-DE" dirty="0"/>
+          </a:p>
+        </p:txBody>
+      </p:sp>
     </p:spTree>
     <p:extLst>
       <p:ext uri="{BB962C8B-B14F-4D97-AF65-F5344CB8AC3E}">
@@ -7556,7 +8109,7 @@
           <p:nvPr>
             <p:extLst>
               <p:ext uri="{D42A27DB-BD31-4B8C-83A1-F6EECF244321}">
-                <p14:modId xmlns:p14="http://schemas.microsoft.com/office/powerpoint/2010/main" val="882769948"/>
+                <p14:modId xmlns:p14="http://schemas.microsoft.com/office/powerpoint/2010/main" val="2997933198"/>
               </p:ext>
             </p:extLst>
           </p:nvPr>
@@ -7656,7 +8209,17 @@
                       </a:r>
                     </a:p>
                   </a:txBody>
-                  <a:tcPr/>
+                  <a:tcPr>
+                    <a:lnB w="12700" cap="flat" cmpd="sng" algn="ctr">
+                      <a:solidFill>
+                        <a:schemeClr val="tx1"/>
+                      </a:solidFill>
+                      <a:prstDash val="solid"/>
+                      <a:round/>
+                      <a:headEnd type="none" w="med" len="med"/>
+                      <a:tailEnd type="none" w="med" len="med"/>
+                    </a:lnB>
+                  </a:tcPr>
                 </a:tc>
                 <a:tc>
                   <a:txBody>
@@ -7685,7 +8248,17 @@
                       </a:r>
                     </a:p>
                   </a:txBody>
-                  <a:tcPr/>
+                  <a:tcPr>
+                    <a:lnB w="12700" cap="flat" cmpd="sng" algn="ctr">
+                      <a:solidFill>
+                        <a:schemeClr val="tx1"/>
+                      </a:solidFill>
+                      <a:prstDash val="solid"/>
+                      <a:round/>
+                      <a:headEnd type="none" w="med" len="med"/>
+                      <a:tailEnd type="none" w="med" len="med"/>
+                    </a:lnB>
+                  </a:tcPr>
                 </a:tc>
                 <a:tc>
                   <a:txBody>
@@ -7698,7 +8271,17 @@
                       </a:r>
                     </a:p>
                   </a:txBody>
-                  <a:tcPr/>
+                  <a:tcPr>
+                    <a:lnB w="12700" cap="flat" cmpd="sng" algn="ctr">
+                      <a:solidFill>
+                        <a:schemeClr val="tx1"/>
+                      </a:solidFill>
+                      <a:prstDash val="solid"/>
+                      <a:round/>
+                      <a:headEnd type="none" w="med" len="med"/>
+                      <a:tailEnd type="none" w="med" len="med"/>
+                    </a:lnB>
+                  </a:tcPr>
                 </a:tc>
                 <a:extLst>
                   <a:ext uri="{0D108BD9-81ED-4DB2-BD59-A6C34878D82A}">
@@ -7718,7 +8301,35 @@
                       </a:r>
                     </a:p>
                   </a:txBody>
-                  <a:tcPr/>
+                  <a:tcPr>
+                    <a:lnL w="12700" cap="flat" cmpd="sng" algn="ctr">
+                      <a:solidFill>
+                        <a:schemeClr val="tx1"/>
+                      </a:solidFill>
+                      <a:prstDash val="solid"/>
+                      <a:round/>
+                      <a:headEnd type="none" w="med" len="med"/>
+                      <a:tailEnd type="none" w="med" len="med"/>
+                    </a:lnL>
+                    <a:lnT w="12700" cap="flat" cmpd="sng" algn="ctr">
+                      <a:solidFill>
+                        <a:schemeClr val="tx1"/>
+                      </a:solidFill>
+                      <a:prstDash val="solid"/>
+                      <a:round/>
+                      <a:headEnd type="none" w="med" len="med"/>
+                      <a:tailEnd type="none" w="med" len="med"/>
+                    </a:lnT>
+                    <a:lnB w="12700" cap="flat" cmpd="sng" algn="ctr">
+                      <a:solidFill>
+                        <a:schemeClr val="tx1"/>
+                      </a:solidFill>
+                      <a:prstDash val="solid"/>
+                      <a:round/>
+                      <a:headEnd type="none" w="med" len="med"/>
+                      <a:tailEnd type="none" w="med" len="med"/>
+                    </a:lnB>
+                  </a:tcPr>
                 </a:tc>
                 <a:tc>
                   <a:txBody>
@@ -7771,7 +8382,26 @@
                       </a:r>
                     </a:p>
                   </a:txBody>
-                  <a:tcPr/>
+                  <a:tcPr>
+                    <a:lnT w="12700" cap="flat" cmpd="sng" algn="ctr">
+                      <a:solidFill>
+                        <a:schemeClr val="tx1"/>
+                      </a:solidFill>
+                      <a:prstDash val="solid"/>
+                      <a:round/>
+                      <a:headEnd type="none" w="med" len="med"/>
+                      <a:tailEnd type="none" w="med" len="med"/>
+                    </a:lnT>
+                    <a:lnB w="12700" cap="flat" cmpd="sng" algn="ctr">
+                      <a:solidFill>
+                        <a:schemeClr val="tx1"/>
+                      </a:solidFill>
+                      <a:prstDash val="solid"/>
+                      <a:round/>
+                      <a:headEnd type="none" w="med" len="med"/>
+                      <a:tailEnd type="none" w="med" len="med"/>
+                    </a:lnB>
+                  </a:tcPr>
                 </a:tc>
                 <a:tc>
                   <a:txBody>
@@ -7784,7 +8414,35 @@
                       </a:r>
                     </a:p>
                   </a:txBody>
-                  <a:tcPr/>
+                  <a:tcPr>
+                    <a:lnR w="12700" cap="flat" cmpd="sng" algn="ctr">
+                      <a:solidFill>
+                        <a:schemeClr val="tx1"/>
+                      </a:solidFill>
+                      <a:prstDash val="solid"/>
+                      <a:round/>
+                      <a:headEnd type="none" w="med" len="med"/>
+                      <a:tailEnd type="none" w="med" len="med"/>
+                    </a:lnR>
+                    <a:lnT w="12700" cap="flat" cmpd="sng" algn="ctr">
+                      <a:solidFill>
+                        <a:schemeClr val="tx1"/>
+                      </a:solidFill>
+                      <a:prstDash val="solid"/>
+                      <a:round/>
+                      <a:headEnd type="none" w="med" len="med"/>
+                      <a:tailEnd type="none" w="med" len="med"/>
+                    </a:lnT>
+                    <a:lnB w="12700" cap="flat" cmpd="sng" algn="ctr">
+                      <a:solidFill>
+                        <a:schemeClr val="tx1"/>
+                      </a:solidFill>
+                      <a:prstDash val="solid"/>
+                      <a:round/>
+                      <a:headEnd type="none" w="med" len="med"/>
+                      <a:tailEnd type="none" w="med" len="med"/>
+                    </a:lnB>
+                  </a:tcPr>
                 </a:tc>
                 <a:extLst>
                   <a:ext uri="{0D108BD9-81ED-4DB2-BD59-A6C34878D82A}">
@@ -7804,7 +8462,17 @@
                       </a:r>
                     </a:p>
                   </a:txBody>
-                  <a:tcPr/>
+                  <a:tcPr>
+                    <a:lnT w="12700" cap="flat" cmpd="sng" algn="ctr">
+                      <a:solidFill>
+                        <a:schemeClr val="tx1"/>
+                      </a:solidFill>
+                      <a:prstDash val="solid"/>
+                      <a:round/>
+                      <a:headEnd type="none" w="med" len="med"/>
+                      <a:tailEnd type="none" w="med" len="med"/>
+                    </a:lnT>
+                  </a:tcPr>
                 </a:tc>
                 <a:tc>
                   <a:txBody>
@@ -7882,7 +8550,17 @@
                       </a:r>
                     </a:p>
                   </a:txBody>
-                  <a:tcPr/>
+                  <a:tcPr>
+                    <a:lnT w="12700" cap="flat" cmpd="sng" algn="ctr">
+                      <a:solidFill>
+                        <a:schemeClr val="tx1"/>
+                      </a:solidFill>
+                      <a:prstDash val="solid"/>
+                      <a:round/>
+                      <a:headEnd type="none" w="med" len="med"/>
+                      <a:tailEnd type="none" w="med" len="med"/>
+                    </a:lnT>
+                  </a:tcPr>
                 </a:tc>
                 <a:tc>
                   <a:txBody>
@@ -7895,7 +8573,17 @@
                       </a:r>
                     </a:p>
                   </a:txBody>
-                  <a:tcPr/>
+                  <a:tcPr>
+                    <a:lnT w="12700" cap="flat" cmpd="sng" algn="ctr">
+                      <a:solidFill>
+                        <a:schemeClr val="tx1"/>
+                      </a:solidFill>
+                      <a:prstDash val="solid"/>
+                      <a:round/>
+                      <a:headEnd type="none" w="med" len="med"/>
+                      <a:tailEnd type="none" w="med" len="med"/>
+                    </a:lnT>
+                  </a:tcPr>
                 </a:tc>
                 <a:extLst>
                   <a:ext uri="{0D108BD9-81ED-4DB2-BD59-A6C34878D82A}">
@@ -7992,11 +8680,41 @@
             </a:pPr>
             <a:r>
               <a:rPr lang="de-DE" dirty="0"/>
-              <a:t> MAPE für den Zeitraum vom 1.8.2018 bis 30.7.2019:</a:t>
-            </a:r>
-          </a:p>
-        </p:txBody>
-      </p:sp>
+              <a:t> MAPE für den Zeitraum vom 23.01.2018 – 31.07.2018 (statt 1.8.2018 bis 30.7.2019):</a:t>
+            </a:r>
+          </a:p>
+        </p:txBody>
+      </p:sp>
+      <p:pic>
+        <p:nvPicPr>
+          <p:cNvPr id="5" name="Grafik 4">
+            <a:extLst>
+              <a:ext uri="{FF2B5EF4-FFF2-40B4-BE49-F238E27FC236}">
+                <a16:creationId xmlns:a16="http://schemas.microsoft.com/office/drawing/2014/main" id="{1A560285-40E0-718A-1837-B87564E43BCF}"/>
+              </a:ext>
+            </a:extLst>
+          </p:cNvPr>
+          <p:cNvPicPr>
+            <a:picLocks noChangeAspect="1"/>
+          </p:cNvPicPr>
+          <p:nvPr/>
+        </p:nvPicPr>
+        <p:blipFill>
+          <a:blip r:embed="rId2"/>
+          <a:stretch>
+            <a:fillRect/>
+          </a:stretch>
+        </p:blipFill>
+        <p:spPr>
+          <a:xfrm>
+            <a:off x="3851159" y="3821782"/>
+            <a:ext cx="4489681" cy="914447"/>
+          </a:xfrm>
+          <a:prstGeom prst="rect">
+            <a:avLst/>
+          </a:prstGeom>
+        </p:spPr>
+      </p:pic>
     </p:spTree>
     <p:extLst>
       <p:ext uri="{BB962C8B-B14F-4D97-AF65-F5344CB8AC3E}">
